--- a/04. Universal-Windows-Platform-Controls/Universal Windows Platform Controls.pptx
+++ b/04. Universal-Windows-Platform-Controls/Universal Windows Platform Controls.pptx
@@ -5,7 +5,7 @@
     <p:sldMasterId id="2147483678" r:id="rId1"/>
   </p:sldMasterIdLst>
   <p:notesMasterIdLst>
-    <p:notesMasterId r:id="rId25"/>
+    <p:notesMasterId r:id="rId26"/>
   </p:notesMasterIdLst>
   <p:sldIdLst>
     <p:sldId id="257" r:id="rId2"/>
@@ -14,8 +14,8 @@
     <p:sldId id="289" r:id="rId5"/>
     <p:sldId id="290" r:id="rId6"/>
     <p:sldId id="291" r:id="rId7"/>
-    <p:sldId id="295" r:id="rId8"/>
-    <p:sldId id="331" r:id="rId9"/>
+    <p:sldId id="331" r:id="rId8"/>
+    <p:sldId id="295" r:id="rId9"/>
     <p:sldId id="296" r:id="rId10"/>
     <p:sldId id="298" r:id="rId11"/>
     <p:sldId id="332" r:id="rId12"/>
@@ -26,11 +26,12 @@
     <p:sldId id="305" r:id="rId17"/>
     <p:sldId id="306" r:id="rId18"/>
     <p:sldId id="308" r:id="rId19"/>
-    <p:sldId id="337" r:id="rId20"/>
-    <p:sldId id="334" r:id="rId21"/>
+    <p:sldId id="341" r:id="rId20"/>
+    <p:sldId id="337" r:id="rId21"/>
     <p:sldId id="340" r:id="rId22"/>
-    <p:sldId id="280" r:id="rId23"/>
-    <p:sldId id="282" r:id="rId24"/>
+    <p:sldId id="334" r:id="rId23"/>
+    <p:sldId id="280" r:id="rId24"/>
+    <p:sldId id="282" r:id="rId25"/>
   </p:sldIdLst>
   <p:sldSz cx="9144000" cy="6858000" type="screen4x3"/>
   <p:notesSz cx="6858000" cy="9144000"/>
@@ -219,7 +220,7 @@
           <a:p>
             <a:fld id="{531BC55C-53BF-4081-8CF5-AC38D234AED0}" type="datetimeFigureOut">
               <a:rPr lang="en-US" smtClean="0"/>
-              <a:t>12/9/2015</a:t>
+              <a:t>12/10/2015</a:t>
             </a:fld>
             <a:endParaRPr lang="en-US"/>
           </a:p>
@@ -549,7 +550,7 @@
             <a:fld id="{9E93C259-A805-481A-92F1-13107B2C3661}" type="datetime1">
               <a:rPr lang="en-US"/>
               <a:pPr/>
-              <a:t>12/9/2015</a:t>
+              <a:t>12/10/2015</a:t>
             </a:fld>
             <a:r>
               <a:rPr lang="en-US"/>
@@ -726,7 +727,7 @@
             <a:fld id="{E7FD7943-ED0D-40AE-8D92-D368B90EE5E8}" type="datetime1">
               <a:rPr lang="en-US"/>
               <a:pPr/>
-              <a:t>12/9/2015</a:t>
+              <a:t>12/10/2015</a:t>
             </a:fld>
             <a:r>
               <a:rPr lang="en-US"/>
@@ -903,7 +904,7 @@
             <a:fld id="{C15A49CB-1487-4C12-B7A0-494658705D59}" type="datetime1">
               <a:rPr lang="en-US"/>
               <a:pPr/>
-              <a:t>12/9/2015</a:t>
+              <a:t>12/10/2015</a:t>
             </a:fld>
             <a:r>
               <a:rPr lang="en-US"/>
@@ -1080,7 +1081,7 @@
             <a:fld id="{8C052D88-6CFB-47D7-B303-319C5C294333}" type="datetime1">
               <a:rPr lang="en-US"/>
               <a:pPr/>
-              <a:t>12/9/2015</a:t>
+              <a:t>12/10/2015</a:t>
             </a:fld>
             <a:r>
               <a:rPr lang="en-US"/>
@@ -1257,7 +1258,7 @@
             <a:fld id="{EAB5054C-7849-441A-B293-703FA21C4EF7}" type="datetime1">
               <a:rPr lang="en-US"/>
               <a:pPr/>
-              <a:t>12/9/2015</a:t>
+              <a:t>12/10/2015</a:t>
             </a:fld>
             <a:r>
               <a:rPr lang="en-US"/>
@@ -1434,7 +1435,7 @@
             <a:fld id="{FFF8B11E-FFE5-46CB-B9DA-D6EB2B96E06A}" type="datetime1">
               <a:rPr lang="en-US"/>
               <a:pPr/>
-              <a:t>12/9/2015</a:t>
+              <a:t>12/10/2015</a:t>
             </a:fld>
             <a:r>
               <a:rPr lang="en-US"/>
@@ -1489,7 +1490,7 @@
             <a:fld id="{62EDD287-1BD8-4D2C-90E9-2AA936F4A370}" type="slidenum">
               <a:rPr lang="en-US"/>
               <a:pPr/>
-              <a:t>23</a:t>
+              <a:t>24</a:t>
             </a:fld>
             <a:r>
               <a:rPr lang="en-US"/>
@@ -5663,7 +5664,6 @@
               <a:rPr lang="en-US" dirty="0"/>
               <a:t>Universal Windows Platform Controls</a:t>
             </a:r>
-            <a:endParaRPr lang="en-US" dirty="0"/>
           </a:p>
         </p:txBody>
       </p:sp>
@@ -6052,7 +6052,7 @@
         <p:spPr>
           <a:xfrm>
             <a:off x="228600" y="1038908"/>
-            <a:ext cx="8686800" cy="3041858"/>
+            <a:ext cx="8686800" cy="3100830"/>
           </a:xfrm>
         </p:spPr>
         <p:txBody>
@@ -6061,18 +6061,26 @@
           <a:p>
             <a:r>
               <a:rPr lang="en-US" dirty="0" smtClean="0"/>
-              <a:t>UWP supports </a:t>
-            </a:r>
-            <a:r>
-              <a:rPr lang="en-US" dirty="0" smtClean="0"/>
-              <a:t>many types of buttons</a:t>
+              <a:t>UWP supports many types of buttons</a:t>
             </a:r>
           </a:p>
           <a:p>
             <a:pPr lvl="1"/>
             <a:r>
+              <a:rPr lang="en-US" sz="2800" dirty="0">
+                <a:solidFill>
+                  <a:schemeClr val="accent5">
+                    <a:lumMod val="20000"/>
+                    <a:lumOff val="80000"/>
+                  </a:schemeClr>
+                </a:solidFill>
+                <a:latin typeface="Consolas" pitchFamily="49" charset="0"/>
+              </a:rPr>
+              <a:t>Button</a:t>
+            </a:r>
+            <a:r>
               <a:rPr lang="en-US" sz="2800" dirty="0" smtClean="0"/>
-              <a:t>Button – the regular button</a:t>
+              <a:t> – the regular button</a:t>
             </a:r>
           </a:p>
           <a:p>
@@ -6305,72 +6313,12 @@
               <a:defRPr/>
             </a:pPr>
             <a:r>
+              <a:rPr lang="en-US" sz="2800" dirty="0"/>
+              <a:t>Determines whether the control supports two or three </a:t>
+            </a:r>
+            <a:r>
               <a:rPr lang="en-US" sz="2800" dirty="0" smtClean="0"/>
-              <a:t>G</a:t>
-            </a:r>
-            <a:r>
-              <a:rPr lang="bg-BG" sz="2800" dirty="0" smtClean="0"/>
-              <a:t>ives </a:t>
-            </a:r>
-            <a:r>
-              <a:rPr lang="bg-BG" sz="2800" dirty="0" smtClean="0">
-                <a:solidFill>
-                  <a:schemeClr val="accent5">
-                    <a:lumMod val="20000"/>
-                    <a:lumOff val="80000"/>
-                  </a:schemeClr>
-                </a:solidFill>
-                <a:latin typeface="Consolas" pitchFamily="49" charset="0"/>
-              </a:rPr>
-              <a:t>IsChecked</a:t>
-            </a:r>
-            <a:r>
-              <a:rPr lang="en-US" sz="2800" dirty="0" smtClean="0"/>
-              <a:t> three possible values </a:t>
-            </a:r>
-            <a:r>
-              <a:rPr lang="en-US" sz="2800" dirty="0" smtClean="0">
-                <a:solidFill>
-                  <a:schemeClr val="accent5">
-                    <a:lumMod val="20000"/>
-                    <a:lumOff val="80000"/>
-                  </a:schemeClr>
-                </a:solidFill>
-                <a:latin typeface="Consolas" pitchFamily="49" charset="0"/>
-              </a:rPr>
-              <a:t>true</a:t>
-            </a:r>
-            <a:r>
-              <a:rPr lang="en-US" sz="2800" dirty="0" smtClean="0"/>
-              <a:t>, </a:t>
-            </a:r>
-            <a:r>
-              <a:rPr lang="en-US" sz="2800" dirty="0" smtClean="0">
-                <a:solidFill>
-                  <a:schemeClr val="accent5">
-                    <a:lumMod val="20000"/>
-                    <a:lumOff val="80000"/>
-                  </a:schemeClr>
-                </a:solidFill>
-                <a:latin typeface="Consolas" pitchFamily="49" charset="0"/>
-              </a:rPr>
-              <a:t>false</a:t>
-            </a:r>
-            <a:r>
-              <a:rPr lang="en-US" sz="2800" dirty="0" smtClean="0"/>
-              <a:t>, or </a:t>
-            </a:r>
-            <a:r>
-              <a:rPr lang="en-US" sz="2800" dirty="0" smtClean="0">
-                <a:solidFill>
-                  <a:schemeClr val="accent5">
-                    <a:lumMod val="20000"/>
-                    <a:lumOff val="80000"/>
-                  </a:schemeClr>
-                </a:solidFill>
-                <a:latin typeface="Consolas" pitchFamily="49" charset="0"/>
-              </a:rPr>
-              <a:t>null</a:t>
+              <a:t>states</a:t>
             </a:r>
           </a:p>
           <a:p>
@@ -6381,7 +6329,7 @@
               <a:defRPr/>
             </a:pPr>
             <a:r>
-              <a:rPr lang="en-US" sz="3000" dirty="0" smtClean="0">
+              <a:rPr lang="en-US" sz="3000" dirty="0" err="1" smtClean="0">
                 <a:solidFill>
                   <a:schemeClr val="accent5">
                     <a:lumMod val="20000"/>
@@ -6397,11 +6345,23 @@
               <a:t> defines a separate event for each </a:t>
             </a:r>
             <a:r>
+              <a:rPr lang="bg-BG" sz="3000" dirty="0" err="1" smtClean="0"/>
+              <a:t>value</a:t>
+            </a:r>
+            <a:r>
               <a:rPr lang="bg-BG" sz="3000" dirty="0" smtClean="0"/>
-              <a:t>value of </a:t>
-            </a:r>
-            <a:r>
-              <a:rPr lang="bg-BG" sz="3000" dirty="0" smtClean="0">
+              <a:t> </a:t>
+            </a:r>
+            <a:r>
+              <a:rPr lang="bg-BG" sz="3000" dirty="0" err="1" smtClean="0"/>
+              <a:t>of</a:t>
+            </a:r>
+            <a:r>
+              <a:rPr lang="bg-BG" sz="3000" dirty="0" smtClean="0"/>
+              <a:t> </a:t>
+            </a:r>
+            <a:r>
+              <a:rPr lang="bg-BG" sz="3000" dirty="0" err="1" smtClean="0">
                 <a:solidFill>
                   <a:schemeClr val="accent5">
                     <a:lumMod val="20000"/>
@@ -6618,8 +6578,8 @@
               <a:defRPr/>
             </a:pPr>
             <a:r>
-              <a:rPr lang="bg-BG" dirty="0" smtClean="0"/>
-              <a:t>CheckButton</a:t>
+              <a:rPr lang="en-US" dirty="0" err="1" smtClean="0"/>
+              <a:t>CheckBox</a:t>
             </a:r>
             <a:r>
               <a:rPr lang="en-US" dirty="0" smtClean="0"/>
@@ -7025,7 +6985,7 @@
         </p:nvSpPr>
         <p:spPr bwMode="auto">
           <a:xfrm>
-            <a:off x="685800" y="2019948"/>
+            <a:off x="685800" y="1752600"/>
             <a:ext cx="7772400" cy="4231928"/>
           </a:xfrm>
           <a:prstGeom prst="rect">
@@ -7884,22 +7844,57 @@
             <p:ph idx="1"/>
           </p:nvPr>
         </p:nvSpPr>
-        <p:spPr/>
+        <p:spPr>
+          <a:xfrm>
+            <a:off x="228600" y="681644"/>
+            <a:ext cx="8686800" cy="6023956"/>
+          </a:xfrm>
+        </p:spPr>
         <p:txBody>
           <a:bodyPr/>
           <a:lstStyle/>
           <a:p>
-            <a:r>
-              <a:rPr lang="en-US" dirty="0" err="1" smtClean="0"/>
+            <a:pPr>
+              <a:spcBef>
+                <a:spcPts val="300"/>
+              </a:spcBef>
+              <a:spcAft>
+                <a:spcPts val="300"/>
+              </a:spcAft>
+            </a:pPr>
+            <a:r>
+              <a:rPr lang="en-US" sz="3000" dirty="0" err="1">
+                <a:solidFill>
+                  <a:schemeClr val="accent5">
+                    <a:lumMod val="20000"/>
+                    <a:lumOff val="80000"/>
+                  </a:schemeClr>
+                </a:solidFill>
+                <a:latin typeface="Consolas" pitchFamily="49" charset="0"/>
+              </a:rPr>
               <a:t>HyperLinkButton</a:t>
             </a:r>
-            <a:endParaRPr lang="en-US" dirty="0" smtClean="0"/>
+            <a:endParaRPr lang="en-US" sz="3000" dirty="0">
+              <a:solidFill>
+                <a:schemeClr val="accent5">
+                  <a:lumMod val="20000"/>
+                  <a:lumOff val="80000"/>
+                </a:schemeClr>
+              </a:solidFill>
+              <a:latin typeface="Consolas" pitchFamily="49" charset="0"/>
+            </a:endParaRPr>
           </a:p>
           <a:p>
             <a:pPr lvl="1">
               <a:lnSpc>
                 <a:spcPct val="100000"/>
               </a:lnSpc>
+              <a:spcBef>
+                <a:spcPts val="300"/>
+              </a:spcBef>
+              <a:spcAft>
+                <a:spcPts val="300"/>
+              </a:spcAft>
             </a:pPr>
             <a:r>
               <a:rPr lang="en-US" sz="2400" dirty="0" smtClean="0"/>
@@ -7932,6 +7927,12 @@
               <a:lnSpc>
                 <a:spcPct val="100000"/>
               </a:lnSpc>
+              <a:spcBef>
+                <a:spcPts val="300"/>
+              </a:spcBef>
+              <a:spcAft>
+                <a:spcPts val="300"/>
+              </a:spcAft>
             </a:pPr>
             <a:r>
               <a:rPr lang="en-US" sz="2400" dirty="0"/>
@@ -7947,39 +7948,70 @@
               <a:lnSpc>
                 <a:spcPct val="150000"/>
               </a:lnSpc>
+              <a:spcBef>
+                <a:spcPts val="300"/>
+              </a:spcBef>
+              <a:spcAft>
+                <a:spcPts val="300"/>
+              </a:spcAft>
             </a:pPr>
             <a:endParaRPr lang="en-US" sz="2400" dirty="0"/>
           </a:p>
           <a:p>
-            <a:r>
-              <a:rPr lang="en-US" dirty="0" err="1" smtClean="0"/>
+            <a:pPr>
+              <a:spcBef>
+                <a:spcPts val="300"/>
+              </a:spcBef>
+              <a:spcAft>
+                <a:spcPts val="300"/>
+              </a:spcAft>
+            </a:pPr>
+            <a:r>
+              <a:rPr lang="en-US" sz="3000" dirty="0" err="1">
+                <a:solidFill>
+                  <a:schemeClr val="accent5">
+                    <a:lumMod val="20000"/>
+                    <a:lumOff val="80000"/>
+                  </a:schemeClr>
+                </a:solidFill>
+                <a:latin typeface="Consolas" pitchFamily="49" charset="0"/>
+              </a:rPr>
               <a:t>RepeatButton</a:t>
             </a:r>
+            <a:endParaRPr lang="en-US" sz="3000" dirty="0">
+              <a:solidFill>
+                <a:schemeClr val="accent5">
+                  <a:lumMod val="20000"/>
+                  <a:lumOff val="80000"/>
+                </a:schemeClr>
+              </a:solidFill>
+              <a:latin typeface="Consolas" pitchFamily="49" charset="0"/>
+            </a:endParaRPr>
+          </a:p>
+          <a:p>
+            <a:pPr lvl="1">
+              <a:spcBef>
+                <a:spcPts val="300"/>
+              </a:spcBef>
+              <a:spcAft>
+                <a:spcPts val="300"/>
+              </a:spcAft>
+            </a:pPr>
+            <a:r>
+              <a:rPr lang="en-US" sz="2400" dirty="0"/>
+              <a:t>Represents a control that raises its Click event repeatedly from the time it is pressed until it is released</a:t>
+            </a:r>
             <a:endParaRPr lang="en-US" dirty="0" smtClean="0"/>
           </a:p>
           <a:p>
-            <a:pPr lvl="1"/>
-            <a:r>
-              <a:rPr lang="en-US" sz="2400" dirty="0" smtClean="0"/>
-              <a:t>Like </a:t>
-            </a:r>
-            <a:r>
-              <a:rPr lang="en-US" sz="2400" dirty="0"/>
-              <a:t>the regular Button, but the mouse/finger can keep pressing</a:t>
-            </a:r>
-          </a:p>
-          <a:p>
-            <a:pPr lvl="1"/>
-            <a:r>
-              <a:rPr lang="en-US" sz="2400" dirty="0"/>
-              <a:t>Click event handler – fires while the button is pressed</a:t>
-            </a:r>
-            <a:endParaRPr lang="en-US" sz="2400" dirty="0" smtClean="0"/>
-          </a:p>
-          <a:p>
-            <a:endParaRPr lang="en-US" dirty="0"/>
-          </a:p>
-          <a:p>
+            <a:pPr>
+              <a:spcBef>
+                <a:spcPts val="300"/>
+              </a:spcBef>
+              <a:spcAft>
+                <a:spcPts val="300"/>
+              </a:spcAft>
+            </a:pPr>
             <a:endParaRPr lang="en-US" dirty="0"/>
           </a:p>
         </p:txBody>
@@ -7994,8 +8026,8 @@
         </p:nvSpPr>
         <p:spPr>
           <a:xfrm>
-            <a:off x="533400" y="2603997"/>
-            <a:ext cx="8077200" cy="707886"/>
+            <a:off x="533400" y="2126436"/>
+            <a:ext cx="8077200" cy="646331"/>
           </a:xfrm>
           <a:prstGeom prst="rect">
             <a:avLst/>
@@ -8257,30 +8289,46 @@
           </a:lstStyle>
           <a:p>
             <a:r>
-              <a:rPr lang="en-US" dirty="0" smtClean="0"/>
+              <a:rPr lang="en-US" sz="1800" dirty="0" smtClean="0"/>
               <a:t>&lt;</a:t>
             </a:r>
             <a:r>
-              <a:rPr lang="en-US" dirty="0" err="1"/>
+              <a:rPr lang="en-US" sz="1800" dirty="0" err="1"/>
               <a:t>HyperlinkButton</a:t>
             </a:r>
             <a:r>
-              <a:rPr lang="en-US" dirty="0"/>
-              <a:t> Content="Go to http://minkov.it"</a:t>
-            </a:r>
-          </a:p>
-          <a:p>
-            <a:r>
-              <a:rPr lang="en-US" dirty="0" smtClean="0"/>
+              <a:rPr lang="en-US" sz="1800" dirty="0"/>
+              <a:t> Content="Go to http</a:t>
+            </a:r>
+            <a:r>
+              <a:rPr lang="en-US" sz="1800" dirty="0" smtClean="0"/>
+              <a:t>://nikolay.it</a:t>
+            </a:r>
+            <a:r>
+              <a:rPr lang="en-US" sz="1800" dirty="0"/>
+              <a:t>"</a:t>
+            </a:r>
+          </a:p>
+          <a:p>
+            <a:r>
+              <a:rPr lang="en-US" sz="1800" dirty="0" smtClean="0"/>
               <a:t>                 </a:t>
             </a:r>
             <a:r>
-              <a:rPr lang="en-US" dirty="0" err="1"/>
+              <a:rPr lang="en-US" sz="1800" dirty="0" err="1"/>
               <a:t>NavigateUri</a:t>
             </a:r>
             <a:r>
-              <a:rPr lang="en-US" dirty="0"/>
-              <a:t>="http://minkov.it"/&gt;</a:t>
+              <a:rPr lang="en-US" sz="1800" dirty="0"/>
+              <a:t>="http</a:t>
+            </a:r>
+            <a:r>
+              <a:rPr lang="en-US" sz="1800" dirty="0" smtClean="0"/>
+              <a:t>://nikolay.it</a:t>
+            </a:r>
+            <a:r>
+              <a:rPr lang="en-US" sz="1800" dirty="0"/>
+              <a:t>"/&gt;</a:t>
             </a:r>
           </a:p>
         </p:txBody>
@@ -8295,8 +8343,8 @@
         </p:nvSpPr>
         <p:spPr>
           <a:xfrm>
-            <a:off x="533400" y="5582733"/>
-            <a:ext cx="8077200" cy="707886"/>
+            <a:off x="533400" y="4250808"/>
+            <a:ext cx="8077200" cy="2308324"/>
           </a:xfrm>
           <a:prstGeom prst="rect">
             <a:avLst/>
@@ -8558,39 +8606,127 @@
           </a:lstStyle>
           <a:p>
             <a:r>
-              <a:rPr lang="en-US" dirty="0" smtClean="0"/>
+              <a:rPr lang="en-US" sz="1800" dirty="0"/>
               <a:t>&lt;</a:t>
             </a:r>
             <a:r>
-              <a:rPr lang="en-US" dirty="0" err="1"/>
+              <a:rPr lang="en-US" sz="1800" dirty="0" err="1"/>
               <a:t>RepeatButton</a:t>
             </a:r>
             <a:r>
-              <a:rPr lang="en-US" dirty="0"/>
-              <a:t> Content="Click repeatedly" </a:t>
-            </a:r>
-            <a:endParaRPr lang="en-US" dirty="0" smtClean="0"/>
-          </a:p>
-          <a:p>
-            <a:r>
-              <a:rPr lang="en-US" dirty="0"/>
-              <a:t> </a:t>
-            </a:r>
-            <a:r>
-              <a:rPr lang="en-US" dirty="0" smtClean="0"/>
-              <a:t>             Click</a:t>
-            </a:r>
-            <a:r>
-              <a:rPr lang="en-US" dirty="0"/>
-              <a:t>="</a:t>
-            </a:r>
-            <a:r>
-              <a:rPr lang="en-US" dirty="0" err="1"/>
-              <a:t>OnRepeatButtonClick</a:t>
-            </a:r>
-            <a:r>
-              <a:rPr lang="en-US" dirty="0"/>
-              <a:t>"/&gt;</a:t>
+              <a:rPr lang="en-US" sz="1800" dirty="0"/>
+              <a:t> Width="100" </a:t>
+            </a:r>
+            <a:r>
+              <a:rPr lang="en-US" sz="1800" dirty="0" err="1"/>
+              <a:t>DockPanel.Dock</a:t>
+            </a:r>
+            <a:r>
+              <a:rPr lang="en-US" sz="1800" dirty="0"/>
+              <a:t>="Top" </a:t>
+            </a:r>
+          </a:p>
+          <a:p>
+            <a:r>
+              <a:rPr lang="en-US" sz="1800" dirty="0"/>
+              <a:t>              Delay="500" Interval="100" </a:t>
+            </a:r>
+          </a:p>
+          <a:p>
+            <a:r>
+              <a:rPr lang="en-US" sz="1800" dirty="0"/>
+              <a:t>              Click="Increase</a:t>
+            </a:r>
+            <a:r>
+              <a:rPr lang="en-US" sz="1800" dirty="0" smtClean="0"/>
+              <a:t>"&gt;Increase&lt;/</a:t>
+            </a:r>
+            <a:r>
+              <a:rPr lang="en-US" sz="1800" dirty="0" err="1"/>
+              <a:t>RepeatButton</a:t>
+            </a:r>
+            <a:r>
+              <a:rPr lang="en-US" sz="1800" dirty="0" smtClean="0"/>
+              <a:t>&gt;</a:t>
+            </a:r>
+          </a:p>
+          <a:p>
+            <a:r>
+              <a:rPr lang="en-US" sz="1800" dirty="0"/>
+              <a:t>void Increase(object sender, </a:t>
+            </a:r>
+            <a:r>
+              <a:rPr lang="en-US" sz="1800" dirty="0" err="1"/>
+              <a:t>RoutedEventArgs</a:t>
+            </a:r>
+            <a:r>
+              <a:rPr lang="en-US" sz="1800" dirty="0"/>
+              <a:t> e)</a:t>
+            </a:r>
+          </a:p>
+          <a:p>
+            <a:r>
+              <a:rPr lang="en-US" sz="1800" dirty="0"/>
+              <a:t>{</a:t>
+            </a:r>
+          </a:p>
+          <a:p>
+            <a:r>
+              <a:rPr lang="en-US" sz="1800" dirty="0"/>
+              <a:t>    Int32 </a:t>
+            </a:r>
+            <a:r>
+              <a:rPr lang="en-US" sz="1800" dirty="0" err="1"/>
+              <a:t>Num</a:t>
+            </a:r>
+            <a:r>
+              <a:rPr lang="en-US" sz="1800" dirty="0"/>
+              <a:t> = Convert.ToInt32(</a:t>
+            </a:r>
+            <a:r>
+              <a:rPr lang="en-US" sz="1800" dirty="0" err="1"/>
+              <a:t>valueText.Text</a:t>
+            </a:r>
+            <a:r>
+              <a:rPr lang="en-US" sz="1800" dirty="0" smtClean="0"/>
+              <a:t>);</a:t>
+            </a:r>
+            <a:endParaRPr lang="en-US" sz="1800" dirty="0"/>
+          </a:p>
+          <a:p>
+            <a:r>
+              <a:rPr lang="en-US" sz="1800" dirty="0"/>
+              <a:t>    </a:t>
+            </a:r>
+            <a:r>
+              <a:rPr lang="en-US" sz="1800" dirty="0" err="1"/>
+              <a:t>valueText.Text</a:t>
+            </a:r>
+            <a:r>
+              <a:rPr lang="en-US" sz="1800" dirty="0"/>
+              <a:t> = ((</a:t>
+            </a:r>
+            <a:r>
+              <a:rPr lang="en-US" sz="1800" dirty="0" err="1"/>
+              <a:t>Num</a:t>
+            </a:r>
+            <a:r>
+              <a:rPr lang="en-US" sz="1800" dirty="0"/>
+              <a:t> + 1).</a:t>
+            </a:r>
+            <a:r>
+              <a:rPr lang="en-US" sz="1800" dirty="0" err="1"/>
+              <a:t>ToString</a:t>
+            </a:r>
+            <a:r>
+              <a:rPr lang="en-US" sz="1800" dirty="0"/>
+              <a:t>());</a:t>
+            </a:r>
+          </a:p>
+          <a:p>
+            <a:r>
+              <a:rPr lang="en-US" sz="1800" dirty="0"/>
+              <a:t>}</a:t>
             </a:r>
           </a:p>
         </p:txBody>
@@ -8824,6 +8960,15 @@
               </a:lnSpc>
               <a:defRPr/>
             </a:pPr>
+            <a:endParaRPr lang="en-US" dirty="0" smtClean="0"/>
+          </a:p>
+          <a:p>
+            <a:pPr>
+              <a:lnSpc>
+                <a:spcPct val="100000"/>
+              </a:lnSpc>
+              <a:defRPr/>
+            </a:pPr>
             <a:r>
               <a:rPr lang="en-US" dirty="0" smtClean="0">
                 <a:solidFill>
@@ -8959,8 +9104,8 @@
         </p:blipFill>
         <p:spPr bwMode="auto">
           <a:xfrm>
-            <a:off x="2124075" y="1676400"/>
-            <a:ext cx="1295400" cy="1036637"/>
+            <a:off x="2681028" y="1686098"/>
+            <a:ext cx="1990724" cy="1593066"/>
           </a:xfrm>
           <a:prstGeom prst="roundRect">
             <a:avLst>
@@ -9035,12 +9180,12 @@
               <a:defRPr/>
             </a:pPr>
             <a:r>
-              <a:rPr lang="bg-BG" dirty="0" smtClean="0"/>
+              <a:rPr lang="bg-BG" dirty="0" err="1" smtClean="0"/>
               <a:t>ListView</a:t>
             </a:r>
             <a:r>
               <a:rPr lang="en-US" dirty="0" smtClean="0"/>
-              <a:t> &amp; </a:t>
+              <a:t> and </a:t>
             </a:r>
             <a:r>
               <a:rPr lang="en-US" dirty="0" err="1" smtClean="0"/>
@@ -9060,7 +9205,12 @@
             <p:ph idx="1"/>
           </p:nvPr>
         </p:nvSpPr>
-        <p:spPr/>
+        <p:spPr>
+          <a:xfrm>
+            <a:off x="228600" y="806335"/>
+            <a:ext cx="8686800" cy="5899265"/>
+          </a:xfrm>
+        </p:spPr>
         <p:txBody>
           <a:bodyPr/>
           <a:lstStyle/>
@@ -9069,6 +9219,9 @@
               <a:lnSpc>
                 <a:spcPct val="110000"/>
               </a:lnSpc>
+              <a:spcAft>
+                <a:spcPts val="900"/>
+              </a:spcAft>
               <a:defRPr/>
             </a:pPr>
             <a:r>
@@ -9084,10 +9237,15 @@
               <a:t>ListView</a:t>
             </a:r>
             <a:r>
-              <a:rPr lang="en-US" dirty="0" smtClean="0">
-                <a:effectLst/>
-              </a:rPr>
-              <a:t> - Control that displays a vertical list of data items</a:t>
+              <a:rPr lang="en-US" dirty="0" smtClean="0"/>
+              <a:t> - Displays a</a:t>
+            </a:r>
+            <a:br>
+              <a:rPr lang="en-US" dirty="0" smtClean="0"/>
+            </a:br>
+            <a:r>
+              <a:rPr lang="en-US" dirty="0" smtClean="0"/>
+              <a:t>vertical list of data items</a:t>
             </a:r>
           </a:p>
           <a:p>
@@ -9095,6 +9253,9 @@
               <a:lnSpc>
                 <a:spcPct val="110000"/>
               </a:lnSpc>
+              <a:spcAft>
+                <a:spcPts val="900"/>
+              </a:spcAft>
               <a:defRPr/>
             </a:pPr>
             <a:r>
@@ -9110,32 +9271,42 @@
               <a:t>GridView</a:t>
             </a:r>
             <a:r>
-              <a:rPr lang="en-US" dirty="0" smtClean="0">
-                <a:effectLst/>
-              </a:rPr>
-              <a:t> - </a:t>
-            </a:r>
-            <a:r>
-              <a:rPr lang="en-US" dirty="0">
-                <a:effectLst/>
-              </a:rPr>
-              <a:t>Control that displays a horizontal grid of data items</a:t>
-            </a:r>
-            <a:endParaRPr lang="en-US" dirty="0" smtClean="0">
-              <a:effectLst/>
-            </a:endParaRPr>
+              <a:rPr lang="en-US" dirty="0" smtClean="0"/>
+              <a:t> - Displays a</a:t>
+            </a:r>
+            <a:br>
+              <a:rPr lang="en-US" dirty="0" smtClean="0"/>
+            </a:br>
+            <a:r>
+              <a:rPr lang="en-US" dirty="0" smtClean="0"/>
+              <a:t>horizontal </a:t>
+            </a:r>
+            <a:r>
+              <a:rPr lang="en-US" dirty="0"/>
+              <a:t>grid </a:t>
+            </a:r>
+            <a:r>
+              <a:rPr lang="en-US" dirty="0" smtClean="0"/>
+              <a:t>of </a:t>
+            </a:r>
+            <a:r>
+              <a:rPr lang="en-US" dirty="0"/>
+              <a:t>data items</a:t>
+            </a:r>
+            <a:endParaRPr lang="en-US" dirty="0" smtClean="0"/>
           </a:p>
           <a:p>
             <a:pPr>
               <a:lnSpc>
                 <a:spcPct val="110000"/>
               </a:lnSpc>
+              <a:spcAft>
+                <a:spcPts val="900"/>
+              </a:spcAft>
               <a:defRPr/>
             </a:pPr>
             <a:r>
-              <a:rPr lang="en-US" dirty="0" smtClean="0">
-                <a:effectLst/>
-              </a:rPr>
+              <a:rPr lang="en-US" dirty="0" smtClean="0"/>
               <a:t>Both are </a:t>
             </a:r>
             <a:r>
@@ -9151,9 +9322,7 @@
               <a:t>ItemsControl</a:t>
             </a:r>
             <a:r>
-              <a:rPr lang="en-US" dirty="0" smtClean="0">
-                <a:effectLst/>
-              </a:rPr>
+              <a:rPr lang="en-US" dirty="0" smtClean="0"/>
               <a:t>, so they can contain a collection of items of any type</a:t>
             </a:r>
           </a:p>
@@ -9162,12 +9331,13 @@
               <a:lnSpc>
                 <a:spcPct val="110000"/>
               </a:lnSpc>
+              <a:spcAft>
+                <a:spcPts val="900"/>
+              </a:spcAft>
               <a:defRPr/>
             </a:pPr>
             <a:r>
-              <a:rPr lang="en-US" dirty="0" smtClean="0">
-                <a:effectLst/>
-              </a:rPr>
+              <a:rPr lang="en-US" dirty="0" smtClean="0"/>
               <a:t>To populate:</a:t>
             </a:r>
           </a:p>
@@ -9176,13 +9346,18 @@
               <a:lnSpc>
                 <a:spcPct val="110000"/>
               </a:lnSpc>
+              <a:spcAft>
+                <a:spcPts val="900"/>
+              </a:spcAft>
               <a:defRPr/>
             </a:pPr>
             <a:r>
-              <a:rPr lang="en-US" sz="2800" dirty="0" smtClean="0">
-                <a:effectLst/>
-              </a:rPr>
-              <a:t>add items to the </a:t>
+              <a:rPr lang="en-US" sz="2800" dirty="0"/>
+              <a:t>A</a:t>
+            </a:r>
+            <a:r>
+              <a:rPr lang="en-US" sz="2800" dirty="0" smtClean="0"/>
+              <a:t>dd items to the </a:t>
             </a:r>
             <a:r>
               <a:rPr lang="en-US" sz="2800" dirty="0" smtClean="0">
@@ -9197,9 +9372,7 @@
               <a:t>Items</a:t>
             </a:r>
             <a:r>
-              <a:rPr lang="en-US" sz="2800" dirty="0" smtClean="0">
-                <a:effectLst/>
-              </a:rPr>
+              <a:rPr lang="en-US" sz="2800" dirty="0" smtClean="0"/>
               <a:t> collection</a:t>
             </a:r>
           </a:p>
@@ -9208,13 +9381,18 @@
               <a:lnSpc>
                 <a:spcPct val="110000"/>
               </a:lnSpc>
+              <a:spcAft>
+                <a:spcPts val="900"/>
+              </a:spcAft>
               <a:defRPr/>
             </a:pPr>
             <a:r>
-              <a:rPr lang="en-US" sz="2800" dirty="0" smtClean="0">
-                <a:effectLst/>
-              </a:rPr>
-              <a:t>or set the </a:t>
+              <a:rPr lang="en-US" sz="2800" dirty="0"/>
+              <a:t>O</a:t>
+            </a:r>
+            <a:r>
+              <a:rPr lang="en-US" sz="2800" dirty="0" smtClean="0"/>
+              <a:t>r set the </a:t>
             </a:r>
             <a:r>
               <a:rPr lang="en-US" sz="2800" dirty="0" err="1" smtClean="0">
@@ -9229,12 +9407,9 @@
               <a:t>ItemsSource</a:t>
             </a:r>
             <a:r>
-              <a:rPr lang="en-US" sz="2800" dirty="0" smtClean="0">
-                <a:effectLst/>
-              </a:rPr>
+              <a:rPr lang="en-US" sz="2800" dirty="0" smtClean="0"/>
               <a:t> property to a data source</a:t>
             </a:r>
-            <a:endParaRPr lang="en-US" sz="2800" dirty="0" smtClean="0"/>
           </a:p>
         </p:txBody>
       </p:sp>
@@ -9267,6 +9442,54 @@
           </a:p>
         </p:txBody>
       </p:sp>
+      <p:pic>
+        <p:nvPicPr>
+          <p:cNvPr id="2" name="Picture 1"/>
+          <p:cNvPicPr>
+            <a:picLocks noChangeAspect="1"/>
+          </p:cNvPicPr>
+          <p:nvPr/>
+        </p:nvPicPr>
+        <p:blipFill>
+          <a:blip r:embed="rId2"/>
+          <a:stretch>
+            <a:fillRect/>
+          </a:stretch>
+        </p:blipFill>
+        <p:spPr>
+          <a:xfrm>
+            <a:off x="5892834" y="2455975"/>
+            <a:ext cx="2842455" cy="868139"/>
+          </a:xfrm>
+          <a:prstGeom prst="rect">
+            <a:avLst/>
+          </a:prstGeom>
+        </p:spPr>
+      </p:pic>
+      <p:pic>
+        <p:nvPicPr>
+          <p:cNvPr id="3" name="Picture 2"/>
+          <p:cNvPicPr>
+            <a:picLocks noChangeAspect="1"/>
+          </p:cNvPicPr>
+          <p:nvPr/>
+        </p:nvPicPr>
+        <p:blipFill>
+          <a:blip r:embed="rId3"/>
+          <a:stretch>
+            <a:fillRect/>
+          </a:stretch>
+        </p:blipFill>
+        <p:spPr>
+          <a:xfrm>
+            <a:off x="7081820" y="914400"/>
+            <a:ext cx="516013" cy="1383682"/>
+          </a:xfrm>
+          <a:prstGeom prst="rect">
+            <a:avLst/>
+          </a:prstGeom>
+        </p:spPr>
+      </p:pic>
     </p:spTree>
     <p:extLst>
       <p:ext uri="{BB962C8B-B14F-4D97-AF65-F5344CB8AC3E}">
@@ -9312,40 +9535,13 @@
             <a:spLocks noGrp="1"/>
           </p:cNvSpPr>
           <p:nvPr>
-            <p:ph type="title"/>
-          </p:nvPr>
-        </p:nvSpPr>
-        <p:spPr/>
-        <p:txBody>
-          <a:bodyPr/>
-          <a:lstStyle/>
-          <a:p>
-            <a:r>
-              <a:rPr lang="en-US" dirty="0" smtClean="0"/>
-              <a:t>The </a:t>
-            </a:r>
-            <a:r>
-              <a:rPr lang="en-US" dirty="0" err="1" smtClean="0"/>
-              <a:t>AppBar</a:t>
-            </a:r>
-            <a:endParaRPr lang="bg-BG" dirty="0"/>
-          </a:p>
-        </p:txBody>
-      </p:sp>
-      <p:sp>
-        <p:nvSpPr>
-          <p:cNvPr id="5" name="Content Placeholder 4"/>
-          <p:cNvSpPr>
-            <a:spLocks noGrp="1"/>
-          </p:cNvSpPr>
-          <p:nvPr>
-            <p:ph idx="1"/>
+            <p:ph type="ctrTitle"/>
           </p:nvPr>
         </p:nvSpPr>
         <p:spPr>
           <a:xfrm>
-            <a:off x="228600" y="990600"/>
-            <a:ext cx="8686800" cy="2221121"/>
+            <a:off x="584662" y="1097282"/>
+            <a:ext cx="7924800" cy="685800"/>
           </a:xfrm>
         </p:spPr>
         <p:txBody>
@@ -9354,233 +9550,57 @@
           <a:p>
             <a:r>
               <a:rPr lang="en-US" dirty="0" smtClean="0"/>
-              <a:t>The </a:t>
-            </a:r>
-            <a:r>
-              <a:rPr lang="en-US" dirty="0" err="1" smtClean="0"/>
-              <a:t>AppBar</a:t>
-            </a:r>
-            <a:r>
-              <a:rPr lang="en-US" dirty="0" smtClean="0"/>
-              <a:t> is just a toolbar for displaying application specific commands</a:t>
-            </a:r>
-          </a:p>
-          <a:p>
-            <a:pPr lvl="1"/>
-            <a:r>
-              <a:rPr lang="en-US" sz="2800" dirty="0" smtClean="0"/>
-              <a:t>Like settings and shortcut commands</a:t>
-            </a:r>
-          </a:p>
-          <a:p>
-            <a:pPr lvl="1"/>
-            <a:r>
-              <a:rPr lang="en-US" sz="2800" dirty="0" smtClean="0"/>
-              <a:t>Can be either </a:t>
-            </a:r>
-            <a:r>
-              <a:rPr lang="en-US" sz="2800" dirty="0" err="1" smtClean="0"/>
-              <a:t>TopAppbar</a:t>
-            </a:r>
-            <a:r>
-              <a:rPr lang="en-US" sz="2800" dirty="0" smtClean="0"/>
-              <a:t> or </a:t>
-            </a:r>
-            <a:r>
-              <a:rPr lang="en-US" sz="2800" dirty="0" err="1" smtClean="0"/>
-              <a:t>BottomAppBar</a:t>
-            </a:r>
-            <a:endParaRPr lang="bg-BG" sz="2800" dirty="0"/>
+              <a:t>Other Controls</a:t>
+            </a:r>
+            <a:endParaRPr lang="en-US" dirty="0"/>
           </a:p>
         </p:txBody>
       </p:sp>
-      <p:sp>
-        <p:nvSpPr>
-          <p:cNvPr id="6" name="Text Placeholder 5"/>
-          <p:cNvSpPr>
-            <a:spLocks noGrp="1"/>
-          </p:cNvSpPr>
-          <p:nvPr>
-            <p:ph type="body" sz="quarter" idx="11"/>
-          </p:nvPr>
-        </p:nvSpPr>
-        <p:spPr>
+      <p:pic>
+        <p:nvPicPr>
+          <p:cNvPr id="2050" name="Picture 2" descr="http://media.infragistics.com/community/Release/12.1/XAML/Metro_theme/metro_theme_controls.jpg"/>
+          <p:cNvPicPr>
+            <a:picLocks noChangeAspect="1" noChangeArrowheads="1"/>
+          </p:cNvPicPr>
+          <p:nvPr/>
+        </p:nvPicPr>
+        <p:blipFill>
+          <a:blip r:embed="rId2">
+            <a:extLst>
+              <a:ext uri="{28A0092B-C50C-407E-A947-70E740481C1C}">
+                <a14:useLocalDpi xmlns:a14="http://schemas.microsoft.com/office/drawing/2010/main" val="0"/>
+              </a:ext>
+            </a:extLst>
+          </a:blip>
+          <a:srcRect/>
+          <a:stretch>
+            <a:fillRect/>
+          </a:stretch>
+        </p:blipFill>
+        <p:spPr bwMode="auto">
           <a:xfrm>
-            <a:off x="533400" y="3245504"/>
-            <a:ext cx="8077200" cy="2862322"/>
+            <a:off x="1818409" y="2177935"/>
+            <a:ext cx="5457306" cy="4092981"/>
           </a:xfrm>
+          <a:prstGeom prst="rect">
+            <a:avLst/>
+          </a:prstGeom>
+          <a:noFill/>
+          <a:extLst>
+            <a:ext uri="{909E8E84-426E-40DD-AFC4-6F175D3DCCD1}">
+              <a14:hiddenFill xmlns:a14="http://schemas.microsoft.com/office/drawing/2010/main">
+                <a:solidFill>
+                  <a:srgbClr val="FFFFFF"/>
+                </a:solidFill>
+              </a14:hiddenFill>
+            </a:ext>
+          </a:extLst>
         </p:spPr>
-        <p:txBody>
-          <a:bodyPr/>
-          <a:lstStyle/>
-          <a:p>
-            <a:r>
-              <a:rPr lang="en-US" dirty="0"/>
-              <a:t>&lt;</a:t>
-            </a:r>
-            <a:r>
-              <a:rPr lang="en-US" dirty="0" err="1"/>
-              <a:t>Page.BottomAppBar</a:t>
-            </a:r>
-            <a:r>
-              <a:rPr lang="en-US" dirty="0" smtClean="0"/>
-              <a:t>&gt;</a:t>
-            </a:r>
-          </a:p>
-          <a:p>
-            <a:r>
-              <a:rPr lang="en-US" dirty="0" smtClean="0"/>
-              <a:t>  &lt;</a:t>
-            </a:r>
-            <a:r>
-              <a:rPr lang="en-US" dirty="0" err="1" smtClean="0"/>
-              <a:t>AppBar</a:t>
-            </a:r>
-            <a:r>
-              <a:rPr lang="en-US" dirty="0"/>
-              <a:t>&gt;</a:t>
-            </a:r>
-          </a:p>
-          <a:p>
-            <a:r>
-              <a:rPr lang="en-US" dirty="0" smtClean="0"/>
-              <a:t>    &lt;</a:t>
-            </a:r>
-            <a:r>
-              <a:rPr lang="en-US" dirty="0" err="1"/>
-              <a:t>StackPanel</a:t>
-            </a:r>
-            <a:r>
-              <a:rPr lang="en-US" dirty="0"/>
-              <a:t> Orientation="Horizontal</a:t>
-            </a:r>
-            <a:r>
-              <a:rPr lang="en-US" dirty="0" smtClean="0"/>
-              <a:t>"&gt;</a:t>
-            </a:r>
-            <a:endParaRPr lang="en-US" dirty="0"/>
-          </a:p>
-          <a:p>
-            <a:r>
-              <a:rPr lang="en-US" dirty="0"/>
-              <a:t>      &lt;Button Name</a:t>
-            </a:r>
-            <a:r>
-              <a:rPr lang="en-US" dirty="0" smtClean="0"/>
-              <a:t>="</a:t>
-            </a:r>
-            <a:r>
-              <a:rPr lang="en-US" dirty="0" err="1" smtClean="0"/>
-              <a:t>AddButton</a:t>
-            </a:r>
-            <a:r>
-              <a:rPr lang="en-US" dirty="0"/>
-              <a:t>" Content</a:t>
-            </a:r>
-            <a:r>
-              <a:rPr lang="en-US" dirty="0" smtClean="0"/>
-              <a:t>="Add" /&gt;</a:t>
-            </a:r>
-            <a:endParaRPr lang="en-US" dirty="0"/>
-          </a:p>
-          <a:p>
-            <a:r>
-              <a:rPr lang="en-US" dirty="0"/>
-              <a:t>      &lt;Button Name="</a:t>
-            </a:r>
-            <a:r>
-              <a:rPr lang="en-US" dirty="0" err="1"/>
-              <a:t>EditButton</a:t>
-            </a:r>
-            <a:r>
-              <a:rPr lang="en-US" dirty="0"/>
-              <a:t>" Content="Edit" </a:t>
-            </a:r>
-            <a:r>
-              <a:rPr lang="en-US" dirty="0" smtClean="0"/>
-              <a:t>/&gt;</a:t>
-            </a:r>
-            <a:endParaRPr lang="en-US" dirty="0"/>
-          </a:p>
-          <a:p>
-            <a:r>
-              <a:rPr lang="en-US" dirty="0"/>
-              <a:t>      &lt;Button Name</a:t>
-            </a:r>
-            <a:r>
-              <a:rPr lang="en-US" dirty="0" smtClean="0"/>
-              <a:t>="</a:t>
-            </a:r>
-            <a:r>
-              <a:rPr lang="en-US" dirty="0" err="1" smtClean="0"/>
-              <a:t>RemoveButton</a:t>
-            </a:r>
-            <a:r>
-              <a:rPr lang="en-US" dirty="0"/>
-              <a:t>" Content</a:t>
-            </a:r>
-            <a:r>
-              <a:rPr lang="en-US" dirty="0" smtClean="0"/>
-              <a:t>="Remove" </a:t>
-            </a:r>
-            <a:r>
-              <a:rPr lang="en-US" dirty="0"/>
-              <a:t>/&gt;</a:t>
-            </a:r>
-          </a:p>
-          <a:p>
-            <a:r>
-              <a:rPr lang="en-US" dirty="0" smtClean="0"/>
-              <a:t>    &lt;/</a:t>
-            </a:r>
-            <a:r>
-              <a:rPr lang="en-US" dirty="0" err="1" smtClean="0"/>
-              <a:t>StackPanel</a:t>
-            </a:r>
-            <a:r>
-              <a:rPr lang="en-US" dirty="0" smtClean="0"/>
-              <a:t>&gt;</a:t>
-            </a:r>
-          </a:p>
-          <a:p>
-            <a:r>
-              <a:rPr lang="en-US" dirty="0" smtClean="0"/>
-              <a:t>  </a:t>
-            </a:r>
-            <a:r>
-              <a:rPr lang="en-US" dirty="0"/>
-              <a:t>&lt;/</a:t>
-            </a:r>
-            <a:r>
-              <a:rPr lang="en-US" dirty="0" err="1"/>
-              <a:t>AppBar</a:t>
-            </a:r>
-            <a:r>
-              <a:rPr lang="en-US" dirty="0"/>
-              <a:t>&gt;</a:t>
-            </a:r>
-          </a:p>
-          <a:p>
-            <a:r>
-              <a:rPr lang="en-US" dirty="0" smtClean="0"/>
-              <a:t>&lt;/</a:t>
-            </a:r>
-            <a:r>
-              <a:rPr lang="en-US" dirty="0" err="1"/>
-              <a:t>Page.BottomAppBar</a:t>
-            </a:r>
-            <a:r>
-              <a:rPr lang="en-US" dirty="0"/>
-              <a:t>&gt;</a:t>
-            </a:r>
-            <a:endParaRPr lang="bg-BG" dirty="0"/>
-          </a:p>
-        </p:txBody>
-      </p:sp>
+      </p:pic>
     </p:spTree>
     <p:extLst>
       <p:ext uri="{BB962C8B-B14F-4D97-AF65-F5344CB8AC3E}">
-        <p14:creationId xmlns:p14="http://schemas.microsoft.com/office/powerpoint/2010/main" val="2436195335"/>
+        <p14:creationId xmlns:p14="http://schemas.microsoft.com/office/powerpoint/2010/main" val="137391877"/>
       </p:ext>
     </p:extLst>
   </p:cSld>
@@ -9645,7 +9665,7 @@
         </p:nvSpPr>
         <p:spPr>
           <a:xfrm>
-            <a:off x="228600" y="737419"/>
+            <a:off x="228600" y="729106"/>
             <a:ext cx="8686800" cy="5968181"/>
           </a:xfrm>
         </p:spPr>
@@ -9657,6 +9677,12 @@
               <a:lnSpc>
                 <a:spcPct val="100000"/>
               </a:lnSpc>
+              <a:spcBef>
+                <a:spcPts val="0"/>
+              </a:spcBef>
+              <a:spcAft>
+                <a:spcPts val="0"/>
+              </a:spcAft>
               <a:buFont typeface="Courier New" pitchFamily="49" charset="0"/>
               <a:buAutoNum type="arabicPeriod"/>
               <a:defRPr/>
@@ -9671,6 +9697,12 @@
               <a:lnSpc>
                 <a:spcPct val="100000"/>
               </a:lnSpc>
+              <a:spcBef>
+                <a:spcPts val="0"/>
+              </a:spcBef>
+              <a:spcAft>
+                <a:spcPts val="0"/>
+              </a:spcAft>
               <a:buFontTx/>
               <a:buAutoNum type="arabicPeriod"/>
               <a:defRPr/>
@@ -9694,11 +9726,17 @@
               <a:lnSpc>
                 <a:spcPct val="100000"/>
               </a:lnSpc>
+              <a:spcBef>
+                <a:spcPts val="0"/>
+              </a:spcBef>
+              <a:spcAft>
+                <a:spcPts val="0"/>
+              </a:spcAft>
               <a:defRPr/>
             </a:pPr>
             <a:r>
               <a:rPr lang="en-US" dirty="0" err="1" smtClean="0"/>
-              <a:t>TextBox</a:t>
+              <a:t>TextBlock</a:t>
             </a:r>
             <a:r>
               <a:rPr lang="en-US" dirty="0" smtClean="0"/>
@@ -9706,7 +9744,7 @@
             </a:r>
             <a:r>
               <a:rPr lang="en-US" dirty="0" err="1" smtClean="0"/>
-              <a:t>TextBlock</a:t>
+              <a:t>TextBox</a:t>
             </a:r>
             <a:endParaRPr lang="en-US" dirty="0" smtClean="0"/>
           </a:p>
@@ -9715,6 +9753,12 @@
               <a:lnSpc>
                 <a:spcPct val="100000"/>
               </a:lnSpc>
+              <a:spcBef>
+                <a:spcPts val="0"/>
+              </a:spcBef>
+              <a:spcAft>
+                <a:spcPts val="0"/>
+              </a:spcAft>
               <a:defRPr/>
             </a:pPr>
             <a:r>
@@ -9728,13 +9772,73 @@
               <a:lnSpc>
                 <a:spcPct val="100000"/>
               </a:lnSpc>
+              <a:spcBef>
+                <a:spcPts val="0"/>
+              </a:spcBef>
+              <a:spcAft>
+                <a:spcPts val="0"/>
+              </a:spcAft>
               <a:buFontTx/>
               <a:buAutoNum type="arabicPeriod"/>
               <a:defRPr/>
             </a:pPr>
             <a:r>
-              <a:rPr lang="bg-BG" dirty="0" smtClean="0"/>
+              <a:rPr lang="bg-BG" dirty="0" err="1" smtClean="0"/>
               <a:t>Buttons</a:t>
+            </a:r>
+            <a:endParaRPr lang="en-US" dirty="0" smtClean="0"/>
+          </a:p>
+          <a:p>
+            <a:pPr marL="957263" lvl="1" indent="-609600">
+              <a:lnSpc>
+                <a:spcPct val="100000"/>
+              </a:lnSpc>
+              <a:spcBef>
+                <a:spcPts val="0"/>
+              </a:spcBef>
+              <a:spcAft>
+                <a:spcPts val="0"/>
+              </a:spcAft>
+              <a:defRPr/>
+            </a:pPr>
+            <a:r>
+              <a:rPr lang="en-US" dirty="0" smtClean="0"/>
+              <a:t>Button and </a:t>
+            </a:r>
+            <a:r>
+              <a:rPr lang="en-US" dirty="0" err="1" smtClean="0"/>
+              <a:t>ToggleButton</a:t>
+            </a:r>
+            <a:endParaRPr lang="en-US" dirty="0" smtClean="0"/>
+          </a:p>
+          <a:p>
+            <a:pPr marL="957263" lvl="1" indent="-609600">
+              <a:lnSpc>
+                <a:spcPct val="100000"/>
+              </a:lnSpc>
+              <a:spcBef>
+                <a:spcPts val="0"/>
+              </a:spcBef>
+              <a:spcAft>
+                <a:spcPts val="0"/>
+              </a:spcAft>
+              <a:defRPr/>
+            </a:pPr>
+            <a:r>
+              <a:rPr lang="en-US" dirty="0" err="1" smtClean="0"/>
+              <a:t>CheckBox</a:t>
+            </a:r>
+            <a:r>
+              <a:rPr lang="en-US" dirty="0" smtClean="0"/>
+              <a:t> and </a:t>
+            </a:r>
+            <a:r>
+              <a:rPr lang="bg-BG" dirty="0" err="1"/>
+              <a:t>RadioButton</a:t>
+            </a:r>
+            <a:r>
+              <a:rPr lang="bg-BG" dirty="0"/>
+              <a:t> </a:t>
             </a:r>
             <a:endParaRPr lang="en-US" dirty="0" smtClean="0"/>
           </a:p>
@@ -9743,13 +9847,73 @@
               <a:lnSpc>
                 <a:spcPct val="100000"/>
               </a:lnSpc>
+              <a:spcBef>
+                <a:spcPts val="0"/>
+              </a:spcBef>
+              <a:spcAft>
+                <a:spcPts val="0"/>
+              </a:spcAft>
               <a:buFontTx/>
               <a:buAutoNum type="arabicPeriod"/>
               <a:defRPr/>
             </a:pPr>
             <a:r>
+              <a:rPr lang="bg-BG" dirty="0" err="1" smtClean="0"/>
+              <a:t>List</a:t>
+            </a:r>
+            <a:r>
               <a:rPr lang="bg-BG" dirty="0" smtClean="0"/>
-              <a:t>List controls</a:t>
+              <a:t> </a:t>
+            </a:r>
+            <a:r>
+              <a:rPr lang="bg-BG" dirty="0" err="1" smtClean="0"/>
+              <a:t>controls</a:t>
+            </a:r>
+            <a:endParaRPr lang="en-US" dirty="0" smtClean="0"/>
+          </a:p>
+          <a:p>
+            <a:pPr marL="957263" lvl="1" indent="-609600">
+              <a:lnSpc>
+                <a:spcPct val="100000"/>
+              </a:lnSpc>
+              <a:spcBef>
+                <a:spcPts val="0"/>
+              </a:spcBef>
+              <a:spcAft>
+                <a:spcPts val="0"/>
+              </a:spcAft>
+              <a:defRPr/>
+            </a:pPr>
+            <a:r>
+              <a:rPr lang="en-US" dirty="0" err="1" smtClean="0"/>
+              <a:t>ComboBox</a:t>
+            </a:r>
+            <a:endParaRPr lang="en-US" dirty="0" smtClean="0"/>
+          </a:p>
+          <a:p>
+            <a:pPr marL="957263" lvl="1" indent="-609600">
+              <a:lnSpc>
+                <a:spcPct val="100000"/>
+              </a:lnSpc>
+              <a:spcBef>
+                <a:spcPts val="0"/>
+              </a:spcBef>
+              <a:spcAft>
+                <a:spcPts val="0"/>
+              </a:spcAft>
+              <a:defRPr/>
+            </a:pPr>
+            <a:r>
+              <a:rPr lang="en-US" dirty="0" err="1" smtClean="0"/>
+              <a:t>ListView</a:t>
+            </a:r>
+            <a:r>
+              <a:rPr lang="en-US" dirty="0" smtClean="0"/>
+              <a:t> and </a:t>
+            </a:r>
+            <a:r>
+              <a:rPr lang="en-US" dirty="0" err="1" smtClean="0"/>
+              <a:t>GridView</a:t>
             </a:r>
             <a:endParaRPr lang="en-US" dirty="0" smtClean="0"/>
           </a:p>
@@ -9758,29 +9922,59 @@
               <a:lnSpc>
                 <a:spcPct val="100000"/>
               </a:lnSpc>
+              <a:spcBef>
+                <a:spcPts val="0"/>
+              </a:spcBef>
+              <a:spcAft>
+                <a:spcPts val="0"/>
+              </a:spcAft>
               <a:buFontTx/>
               <a:buAutoNum type="arabicPeriod"/>
               <a:defRPr/>
             </a:pPr>
             <a:r>
-              <a:rPr lang="bg-BG" dirty="0" err="1" smtClean="0"/>
-              <a:t>Menus</a:t>
-            </a:r>
-            <a:endParaRPr lang="en-US" dirty="0" smtClean="0"/>
-          </a:p>
-          <a:p>
-            <a:pPr marL="609600" indent="-609600">
+              <a:rPr lang="en-US" dirty="0" smtClean="0"/>
+              <a:t>Other controls</a:t>
+            </a:r>
+          </a:p>
+          <a:p>
+            <a:pPr marL="957263" lvl="1" indent="-609600">
               <a:lnSpc>
                 <a:spcPct val="100000"/>
               </a:lnSpc>
-              <a:buFontTx/>
-              <a:buAutoNum type="arabicPeriod"/>
+              <a:spcBef>
+                <a:spcPts val="0"/>
+              </a:spcBef>
+              <a:spcAft>
+                <a:spcPts val="0"/>
+              </a:spcAft>
               <a:defRPr/>
             </a:pPr>
             <a:r>
+              <a:rPr lang="en-US" dirty="0" err="1" smtClean="0"/>
+              <a:t>AppBar</a:t>
+            </a:r>
+            <a:r>
               <a:rPr lang="en-US" dirty="0" smtClean="0"/>
-              <a:t>Toolbars</a:t>
-            </a:r>
+              <a:t>, </a:t>
+            </a:r>
+            <a:r>
+              <a:rPr lang="en-US" dirty="0" err="1" smtClean="0"/>
+              <a:t>ProgressBar</a:t>
+            </a:r>
+            <a:r>
+              <a:rPr lang="en-US" dirty="0"/>
+              <a:t> </a:t>
+            </a:r>
+            <a:r>
+              <a:rPr lang="en-US" dirty="0" smtClean="0"/>
+              <a:t>and </a:t>
+            </a:r>
+            <a:r>
+              <a:rPr lang="en-US" dirty="0" err="1"/>
+              <a:t>PopupMenu</a:t>
+            </a:r>
+            <a:endParaRPr lang="en-US" dirty="0" smtClean="0"/>
           </a:p>
         </p:txBody>
       </p:sp>
@@ -9880,7 +10074,7 @@
         </p:blipFill>
         <p:spPr bwMode="auto">
           <a:xfrm>
-            <a:off x="6425226" y="4549878"/>
+            <a:off x="6258971" y="3979299"/>
             <a:ext cx="2047704" cy="1842934"/>
           </a:xfrm>
           <a:prstGeom prst="roundRect">
@@ -9941,9 +10135,9 @@
       </p:grpSpPr>
       <p:sp>
         <p:nvSpPr>
-          <p:cNvPr id="516098" name="Rectangle 2"/>
+          <p:cNvPr id="4" name="Title 3"/>
           <p:cNvSpPr>
-            <a:spLocks noGrp="1" noChangeArrowheads="1"/>
+            <a:spLocks noGrp="1"/>
           </p:cNvSpPr>
           <p:nvPr>
             <p:ph type="title"/>
@@ -9954,21 +10148,23 @@
           <a:bodyPr/>
           <a:lstStyle/>
           <a:p>
-            <a:pPr>
-              <a:defRPr/>
-            </a:pPr>
-            <a:r>
-              <a:rPr lang="en-US" noProof="1" smtClean="0"/>
-              <a:t>ContextMenu</a:t>
-            </a:r>
+            <a:r>
+              <a:rPr lang="en-US" dirty="0" smtClean="0"/>
+              <a:t>The </a:t>
+            </a:r>
+            <a:r>
+              <a:rPr lang="en-US" dirty="0" err="1" smtClean="0"/>
+              <a:t>AppBar</a:t>
+            </a:r>
+            <a:endParaRPr lang="bg-BG" dirty="0"/>
           </a:p>
         </p:txBody>
       </p:sp>
       <p:sp>
         <p:nvSpPr>
-          <p:cNvPr id="516099" name="Rectangle 3"/>
+          <p:cNvPr id="5" name="Content Placeholder 4"/>
           <p:cNvSpPr>
-            <a:spLocks noGrp="1" noChangeArrowheads="1"/>
+            <a:spLocks noGrp="1"/>
           </p:cNvSpPr>
           <p:nvPr>
             <p:ph idx="1"/>
@@ -9977,50 +10173,19 @@
         <p:spPr>
           <a:xfrm>
             <a:off x="228600" y="990600"/>
-            <a:ext cx="8686800" cy="3323526"/>
+            <a:ext cx="8686800" cy="2251899"/>
           </a:xfrm>
         </p:spPr>
         <p:txBody>
           <a:bodyPr/>
           <a:lstStyle/>
           <a:p>
-            <a:pPr>
-              <a:lnSpc>
-                <a:spcPct val="100000"/>
-              </a:lnSpc>
-              <a:defRPr/>
-            </a:pPr>
             <a:r>
               <a:rPr lang="en-US" dirty="0" smtClean="0"/>
-              <a:t>Context Menu is actually a </a:t>
-            </a:r>
-            <a:r>
-              <a:rPr lang="en-US" dirty="0" err="1" smtClean="0"/>
-              <a:t>PopupMenu</a:t>
-            </a:r>
-            <a:endParaRPr lang="en-US" dirty="0" smtClean="0">
-              <a:solidFill>
-                <a:schemeClr val="accent5">
-                  <a:lumMod val="20000"/>
-                  <a:lumOff val="80000"/>
-                </a:schemeClr>
-              </a:solidFill>
-              <a:latin typeface="Consolas" pitchFamily="49" charset="0"/>
-            </a:endParaRPr>
-          </a:p>
-          <a:p>
-            <a:pPr lvl="1">
-              <a:lnSpc>
-                <a:spcPct val="100000"/>
-              </a:lnSpc>
-              <a:defRPr/>
-            </a:pPr>
-            <a:r>
-              <a:rPr lang="en-US" dirty="0" smtClean="0"/>
-              <a:t>It’s a simple container designed to hold </a:t>
-            </a:r>
-            <a:r>
-              <a:rPr lang="en-US" noProof="1" smtClean="0">
+              <a:t>The </a:t>
+            </a:r>
+            <a:r>
+              <a:rPr lang="en-US" dirty="0" err="1">
                 <a:solidFill>
                   <a:schemeClr val="accent5">
                     <a:lumMod val="20000"/>
@@ -10029,47 +10194,45 @@
                 </a:solidFill>
                 <a:latin typeface="Consolas" pitchFamily="49" charset="0"/>
               </a:rPr>
-              <a:t>Commands</a:t>
-            </a:r>
-            <a:endParaRPr lang="en-US" dirty="0" smtClean="0">
-              <a:solidFill>
-                <a:schemeClr val="accent5">
-                  <a:lumMod val="20000"/>
-                  <a:lumOff val="80000"/>
-                </a:schemeClr>
-              </a:solidFill>
-              <a:latin typeface="Consolas" pitchFamily="49" charset="0"/>
-            </a:endParaRPr>
-          </a:p>
-          <a:p>
-            <a:pPr>
-              <a:lnSpc>
-                <a:spcPct val="100000"/>
-              </a:lnSpc>
-              <a:defRPr/>
-            </a:pPr>
+              <a:t>AppBar</a:t>
+            </a:r>
             <a:r>
               <a:rPr lang="en-US" dirty="0" smtClean="0"/>
-              <a:t>Must be attached to a control using code behind</a:t>
-            </a:r>
-          </a:p>
-          <a:p>
-            <a:pPr>
-              <a:lnSpc>
-                <a:spcPct val="100000"/>
-              </a:lnSpc>
-              <a:defRPr/>
-            </a:pPr>
-            <a:r>
-              <a:rPr lang="en-US" dirty="0" smtClean="0"/>
-              <a:t>When a user right-taps on the control the context menu is displayed</a:t>
-            </a:r>
+              <a:t> is just a toolbar for displaying application specific commands</a:t>
+            </a:r>
+          </a:p>
+          <a:p>
+            <a:pPr lvl="1"/>
+            <a:r>
+              <a:rPr lang="en-US" sz="2800" dirty="0" smtClean="0"/>
+              <a:t>Like settings and shortcut commands</a:t>
+            </a:r>
+          </a:p>
+          <a:p>
+            <a:pPr lvl="1"/>
+            <a:r>
+              <a:rPr lang="en-US" sz="2800" dirty="0" smtClean="0"/>
+              <a:t>Can be either </a:t>
+            </a:r>
+            <a:r>
+              <a:rPr lang="en-US" sz="2800" dirty="0" err="1" smtClean="0"/>
+              <a:t>TopAppbar</a:t>
+            </a:r>
+            <a:r>
+              <a:rPr lang="en-US" sz="2800" dirty="0" smtClean="0"/>
+              <a:t> or </a:t>
+            </a:r>
+            <a:r>
+              <a:rPr lang="en-US" sz="2800" dirty="0" err="1" smtClean="0"/>
+              <a:t>BottomAppBar</a:t>
+            </a:r>
+            <a:endParaRPr lang="bg-BG" sz="2800" dirty="0"/>
           </a:p>
         </p:txBody>
       </p:sp>
       <p:sp>
         <p:nvSpPr>
-          <p:cNvPr id="2" name="Text Placeholder 1"/>
+          <p:cNvPr id="6" name="Text Placeholder 5"/>
           <p:cNvSpPr>
             <a:spLocks noGrp="1"/>
           </p:cNvSpPr>
@@ -10079,8 +10242,8 @@
         </p:nvSpPr>
         <p:spPr>
           <a:xfrm>
-            <a:off x="533400" y="4405745"/>
-            <a:ext cx="8077200" cy="1938992"/>
+            <a:off x="533400" y="3395133"/>
+            <a:ext cx="8077200" cy="2862322"/>
           </a:xfrm>
         </p:spPr>
         <p:txBody>
@@ -10088,172 +10251,178 @@
           <a:lstStyle/>
           <a:p>
             <a:r>
+              <a:rPr lang="en-US" dirty="0"/>
+              <a:t>&lt;</a:t>
+            </a:r>
+            <a:r>
               <a:rPr lang="en-US" dirty="0" err="1"/>
-              <a:t>PopupMenu</a:t>
+              <a:t>Page.BottomAppBar</a:t>
+            </a:r>
+            <a:r>
+              <a:rPr lang="en-US" dirty="0" smtClean="0"/>
+              <a:t>&gt;</a:t>
+            </a:r>
+          </a:p>
+          <a:p>
+            <a:r>
+              <a:rPr lang="en-US" dirty="0" smtClean="0"/>
+              <a:t>  &lt;</a:t>
+            </a:r>
+            <a:r>
+              <a:rPr lang="en-US" dirty="0" err="1" smtClean="0"/>
+              <a:t>AppBar</a:t>
             </a:r>
             <a:r>
               <a:rPr lang="en-US" dirty="0"/>
-              <a:t> </a:t>
+              <a:t>&gt;</a:t>
+            </a:r>
+          </a:p>
+          <a:p>
+            <a:r>
+              <a:rPr lang="en-US" dirty="0" smtClean="0"/>
+              <a:t>    &lt;</a:t>
             </a:r>
             <a:r>
               <a:rPr lang="en-US" dirty="0" err="1"/>
-              <a:t>popupMenu</a:t>
+              <a:t>StackPanel</a:t>
             </a:r>
             <a:r>
               <a:rPr lang="en-US" dirty="0"/>
-              <a:t> = new </a:t>
+              <a:t> Orientation="Horizontal</a:t>
+            </a:r>
+            <a:r>
+              <a:rPr lang="en-US" dirty="0" smtClean="0"/>
+              <a:t>"&gt;</a:t>
+            </a:r>
+            <a:endParaRPr lang="en-US" dirty="0"/>
+          </a:p>
+          <a:p>
+            <a:r>
+              <a:rPr lang="en-US" dirty="0"/>
+              <a:t>      &lt;Button Name</a:t>
+            </a:r>
+            <a:r>
+              <a:rPr lang="en-US" dirty="0" smtClean="0"/>
+              <a:t>="</a:t>
+            </a:r>
+            <a:r>
+              <a:rPr lang="en-US" dirty="0" err="1" smtClean="0"/>
+              <a:t>AddButton</a:t>
+            </a:r>
+            <a:r>
+              <a:rPr lang="en-US" dirty="0"/>
+              <a:t>" Content</a:t>
+            </a:r>
+            <a:r>
+              <a:rPr lang="en-US" dirty="0" smtClean="0"/>
+              <a:t>="Add" /&gt;</a:t>
+            </a:r>
+            <a:endParaRPr lang="en-US" dirty="0"/>
+          </a:p>
+          <a:p>
+            <a:r>
+              <a:rPr lang="en-US" dirty="0"/>
+              <a:t>      &lt;Button Name="</a:t>
             </a:r>
             <a:r>
               <a:rPr lang="en-US" dirty="0" err="1"/>
-              <a:t>PopupMenu</a:t>
+              <a:t>EditButton</a:t>
+            </a:r>
+            <a:r>
+              <a:rPr lang="en-US" dirty="0"/>
+              <a:t>" Content="Edit" </a:t>
             </a:r>
             <a:r>
               <a:rPr lang="en-US" dirty="0" smtClean="0"/>
-              <a:t>();</a:t>
-            </a:r>
-          </a:p>
-          <a:p>
+              <a:t>/&gt;</a:t>
+            </a:r>
+            <a:endParaRPr lang="en-US" dirty="0"/>
+          </a:p>
+          <a:p>
+            <a:r>
+              <a:rPr lang="en-US" dirty="0"/>
+              <a:t>      &lt;Button Name</a:t>
+            </a:r>
+            <a:r>
+              <a:rPr lang="en-US" dirty="0" smtClean="0"/>
+              <a:t>="</a:t>
+            </a:r>
             <a:r>
               <a:rPr lang="en-US" dirty="0" err="1" smtClean="0"/>
-              <a:t>popupMenu.Commands.Add</a:t>
+              <a:t>RemoveButton</a:t>
+            </a:r>
+            <a:r>
+              <a:rPr lang="en-US" dirty="0"/>
+              <a:t>" Content</a:t>
             </a:r>
             <a:r>
               <a:rPr lang="en-US" dirty="0" smtClean="0"/>
-              <a:t>(new </a:t>
+              <a:t>="Remove" </a:t>
+            </a:r>
+            <a:r>
+              <a:rPr lang="en-US" dirty="0"/>
+              <a:t>/&gt;</a:t>
+            </a:r>
+          </a:p>
+          <a:p>
+            <a:r>
+              <a:rPr lang="en-US" dirty="0" smtClean="0"/>
+              <a:t>    &lt;/</a:t>
             </a:r>
             <a:r>
               <a:rPr lang="en-US" dirty="0" err="1" smtClean="0"/>
-              <a:t>UICommand</a:t>
+              <a:t>StackPanel</a:t>
             </a:r>
             <a:r>
               <a:rPr lang="en-US" dirty="0" smtClean="0"/>
-              <a:t>(…));</a:t>
-            </a:r>
-          </a:p>
-          <a:p>
-            <a:endParaRPr lang="en-US" dirty="0" smtClean="0"/>
-          </a:p>
-          <a:p>
+              <a:t>&gt;</a:t>
+            </a:r>
+          </a:p>
+          <a:p>
+            <a:r>
+              <a:rPr lang="en-US" dirty="0" smtClean="0"/>
+              <a:t>  </a:t>
+            </a:r>
+            <a:r>
+              <a:rPr lang="en-US" dirty="0"/>
+              <a:t>&lt;/</a:t>
+            </a:r>
             <a:r>
               <a:rPr lang="en-US" dirty="0" err="1"/>
-              <a:t>IUICommand</a:t>
+              <a:t>AppBar</a:t>
             </a:r>
             <a:r>
               <a:rPr lang="en-US" dirty="0"/>
-              <a:t> </a:t>
+              <a:t>&gt;</a:t>
+            </a:r>
+          </a:p>
+          <a:p>
+            <a:r>
+              <a:rPr lang="en-US" dirty="0" smtClean="0"/>
+              <a:t>&lt;/</a:t>
             </a:r>
             <a:r>
               <a:rPr lang="en-US" dirty="0" err="1"/>
-              <a:t>chosenCommand</a:t>
+              <a:t>Page.BottomAppBar</a:t>
             </a:r>
             <a:r>
               <a:rPr lang="en-US" dirty="0"/>
-              <a:t> = await </a:t>
-            </a:r>
-            <a:r>
-              <a:rPr lang="en-US" dirty="0" err="1" smtClean="0"/>
-              <a:t>popupMenu</a:t>
-            </a:r>
-            <a:endParaRPr lang="en-US" dirty="0" smtClean="0"/>
-          </a:p>
-          <a:p>
-            <a:r>
-              <a:rPr lang="en-US" dirty="0"/>
-              <a:t> </a:t>
-            </a:r>
-            <a:r>
-              <a:rPr lang="en-US" dirty="0" smtClean="0"/>
-              <a:t> .</a:t>
-            </a:r>
-            <a:r>
-              <a:rPr lang="en-US" dirty="0" err="1" smtClean="0"/>
-              <a:t>ShowForSelectionAsync</a:t>
-            </a:r>
-            <a:r>
-              <a:rPr lang="en-US" dirty="0" smtClean="0"/>
-              <a:t>(</a:t>
-            </a:r>
-          </a:p>
-          <a:p>
-            <a:r>
-              <a:rPr lang="en-US" dirty="0"/>
-              <a:t> </a:t>
-            </a:r>
-            <a:r>
-              <a:rPr lang="en-US" dirty="0" smtClean="0"/>
-              <a:t>    </a:t>
-            </a:r>
-            <a:r>
-              <a:rPr lang="en-US" dirty="0" err="1" smtClean="0"/>
-              <a:t>GetElementRect</a:t>
-            </a:r>
-            <a:r>
-              <a:rPr lang="en-US" dirty="0"/>
-              <a:t>((</a:t>
-            </a:r>
-            <a:r>
-              <a:rPr lang="en-US" dirty="0" err="1"/>
-              <a:t>FrameworkElement</a:t>
-            </a:r>
-            <a:r>
-              <a:rPr lang="en-US" dirty="0"/>
-              <a:t>)sender</a:t>
-            </a:r>
-            <a:r>
-              <a:rPr lang="en-US" dirty="0" smtClean="0"/>
-              <a:t>));</a:t>
-            </a:r>
-            <a:endParaRPr lang="en-US" dirty="0"/>
-          </a:p>
-        </p:txBody>
-      </p:sp>
-      <p:sp>
-        <p:nvSpPr>
-          <p:cNvPr id="5" name="Slide Number Placeholder 3"/>
-          <p:cNvSpPr>
-            <a:spLocks noGrp="1"/>
-          </p:cNvSpPr>
-          <p:nvPr>
-            <p:ph type="sldNum" sz="quarter" idx="10"/>
-          </p:nvPr>
-        </p:nvSpPr>
-        <p:spPr/>
-        <p:txBody>
-          <a:bodyPr/>
-          <a:lstStyle/>
-          <a:p>
-            <a:pPr>
-              <a:defRPr/>
-            </a:pPr>
-            <a:fld id="{58452FF4-89E3-4D1B-9927-2DBDC00E58D7}" type="slidenum">
-              <a:rPr lang="en-US" smtClean="0"/>
-              <a:pPr>
-                <a:defRPr/>
-              </a:pPr>
-              <a:t>20</a:t>
-            </a:fld>
-            <a:endParaRPr lang="en-US" dirty="0"/>
+              <a:t>&gt;</a:t>
+            </a:r>
+            <a:endParaRPr lang="bg-BG" dirty="0"/>
           </a:p>
         </p:txBody>
       </p:sp>
     </p:spTree>
     <p:extLst>
       <p:ext uri="{BB962C8B-B14F-4D97-AF65-F5344CB8AC3E}">
-        <p14:creationId xmlns:p14="http://schemas.microsoft.com/office/powerpoint/2010/main" val="1267525605"/>
+        <p14:creationId xmlns:p14="http://schemas.microsoft.com/office/powerpoint/2010/main" val="2436195335"/>
       </p:ext>
     </p:extLst>
   </p:cSld>
   <p:clrMapOvr>
     <a:masterClrMapping/>
   </p:clrMapOvr>
-  <p:transition/>
-  <p:timing>
-    <p:tnLst>
-      <p:par>
-        <p:cTn id="1" dur="indefinite" restart="never" nodeType="tmRoot"/>
-      </p:par>
-    </p:tnLst>
-  </p:timing>
 </p:sld>
 </file>
 
@@ -10290,8 +10459,20 @@
           <a:lstStyle/>
           <a:p>
             <a:r>
+              <a:rPr lang="en-US" dirty="0" err="1" smtClean="0"/>
+              <a:t>ProgressBar</a:t>
+            </a:r>
+            <a:r>
               <a:rPr lang="en-US" dirty="0" smtClean="0"/>
-              <a:t>Progress bars</a:t>
+              <a:t> </a:t>
+            </a:r>
+            <a:r>
+              <a:rPr lang="en-US" dirty="0"/>
+              <a:t>and </a:t>
+            </a:r>
+            <a:r>
+              <a:rPr lang="en-US" dirty="0" err="1"/>
+              <a:t>ProgressRing</a:t>
             </a:r>
             <a:endParaRPr lang="bg-BG" dirty="0"/>
           </a:p>
@@ -10309,14 +10490,22 @@
         </p:nvSpPr>
         <p:spPr>
           <a:xfrm>
-            <a:off x="228601" y="1363826"/>
-            <a:ext cx="8686800" cy="4057521"/>
+            <a:off x="228601" y="1197033"/>
+            <a:ext cx="8686800" cy="4983753"/>
           </a:xfrm>
         </p:spPr>
         <p:txBody>
           <a:bodyPr/>
           <a:lstStyle/>
           <a:p>
+            <a:pPr>
+              <a:spcBef>
+                <a:spcPts val="600"/>
+              </a:spcBef>
+              <a:spcAft>
+                <a:spcPts val="600"/>
+              </a:spcAft>
+            </a:pPr>
             <a:r>
               <a:rPr lang="en-US" dirty="0" smtClean="0"/>
               <a:t>Progress bars are used to show the user that the applications is doing something</a:t>
@@ -10330,6 +10519,14 @@
             </a:r>
           </a:p>
           <a:p>
+            <a:pPr>
+              <a:spcBef>
+                <a:spcPts val="600"/>
+              </a:spcBef>
+              <a:spcAft>
+                <a:spcPts val="600"/>
+              </a:spcAft>
+            </a:pPr>
             <a:r>
               <a:rPr lang="en-US" dirty="0" smtClean="0"/>
               <a:t>Two types of Progress bars</a:t>
@@ -10338,18 +10535,45 @@
           <a:p>
             <a:pPr lvl="1"/>
             <a:r>
-              <a:rPr lang="en-US" sz="2800" dirty="0" err="1" smtClean="0"/>
+              <a:rPr lang="en-US" sz="2800" dirty="0" err="1">
+                <a:solidFill>
+                  <a:schemeClr val="accent5">
+                    <a:lumMod val="20000"/>
+                    <a:lumOff val="80000"/>
+                  </a:schemeClr>
+                </a:solidFill>
+                <a:latin typeface="Consolas" pitchFamily="49" charset="0"/>
+              </a:rPr>
               <a:t>ProgressBar</a:t>
             </a:r>
             <a:r>
               <a:rPr lang="en-US" sz="2800" dirty="0" smtClean="0"/>
-              <a:t> and </a:t>
-            </a:r>
-            <a:r>
-              <a:rPr lang="en-US" sz="2800" dirty="0" err="1" smtClean="0"/>
+              <a:t> </a:t>
+            </a:r>
+          </a:p>
+          <a:p>
+            <a:pPr lvl="1"/>
+            <a:r>
+              <a:rPr lang="en-US" sz="2800" dirty="0" err="1" smtClean="0">
+                <a:solidFill>
+                  <a:schemeClr val="accent5">
+                    <a:lumMod val="20000"/>
+                    <a:lumOff val="80000"/>
+                  </a:schemeClr>
+                </a:solidFill>
+                <a:latin typeface="Consolas" pitchFamily="49" charset="0"/>
+              </a:rPr>
               <a:t>ProgressRing</a:t>
             </a:r>
-            <a:endParaRPr lang="en-US" sz="2800" dirty="0" smtClean="0"/>
+            <a:endParaRPr lang="en-US" sz="2800" dirty="0">
+              <a:solidFill>
+                <a:schemeClr val="accent5">
+                  <a:lumMod val="20000"/>
+                  <a:lumOff val="80000"/>
+                </a:schemeClr>
+              </a:solidFill>
+              <a:latin typeface="Consolas" pitchFamily="49" charset="0"/>
+            </a:endParaRPr>
           </a:p>
           <a:p>
             <a:pPr lvl="1"/>
@@ -10373,7 +10597,7 @@
         </p:nvSpPr>
         <p:spPr>
           <a:xfrm>
-            <a:off x="533401" y="4430490"/>
+            <a:off x="533401" y="5195261"/>
             <a:ext cx="8077200" cy="707886"/>
           </a:xfrm>
         </p:spPr>
@@ -10428,6 +10652,82 @@
           </a:p>
         </p:txBody>
       </p:sp>
+      <p:pic>
+        <p:nvPicPr>
+          <p:cNvPr id="2" name="Picture 1"/>
+          <p:cNvPicPr>
+            <a:picLocks noChangeAspect="1"/>
+          </p:cNvPicPr>
+          <p:nvPr/>
+        </p:nvPicPr>
+        <p:blipFill>
+          <a:blip r:embed="rId2"/>
+          <a:stretch>
+            <a:fillRect/>
+          </a:stretch>
+        </p:blipFill>
+        <p:spPr>
+          <a:xfrm>
+            <a:off x="4009534" y="3636982"/>
+            <a:ext cx="2076740" cy="533474"/>
+          </a:xfrm>
+          <a:prstGeom prst="rect">
+            <a:avLst/>
+          </a:prstGeom>
+          <a:ln w="38100" cap="sq">
+            <a:solidFill>
+              <a:srgbClr val="000000"/>
+            </a:solidFill>
+            <a:prstDash val="solid"/>
+            <a:miter lim="800000"/>
+          </a:ln>
+          <a:effectLst>
+            <a:outerShdw blurRad="50800" dist="38100" dir="2700000" algn="tl" rotWithShape="0">
+              <a:srgbClr val="000000">
+                <a:alpha val="43000"/>
+              </a:srgbClr>
+            </a:outerShdw>
+          </a:effectLst>
+        </p:spPr>
+      </p:pic>
+      <p:pic>
+        <p:nvPicPr>
+          <p:cNvPr id="3" name="Picture 2"/>
+          <p:cNvPicPr>
+            <a:picLocks noChangeAspect="1"/>
+          </p:cNvPicPr>
+          <p:nvPr/>
+        </p:nvPicPr>
+        <p:blipFill>
+          <a:blip r:embed="rId3"/>
+          <a:stretch>
+            <a:fillRect/>
+          </a:stretch>
+        </p:blipFill>
+        <p:spPr>
+          <a:xfrm>
+            <a:off x="6695324" y="3919612"/>
+            <a:ext cx="1376604" cy="1024805"/>
+          </a:xfrm>
+          <a:prstGeom prst="rect">
+            <a:avLst/>
+          </a:prstGeom>
+          <a:ln w="38100" cap="sq">
+            <a:solidFill>
+              <a:srgbClr val="000000"/>
+            </a:solidFill>
+            <a:prstDash val="solid"/>
+            <a:miter lim="800000"/>
+          </a:ln>
+          <a:effectLst>
+            <a:outerShdw blurRad="50800" dist="38100" dir="2700000" algn="tl" rotWithShape="0">
+              <a:srgbClr val="000000">
+                <a:alpha val="43000"/>
+              </a:srgbClr>
+            </a:outerShdw>
+          </a:effectLst>
+        </p:spPr>
+      </p:pic>
     </p:spTree>
     <p:extLst>
       <p:ext uri="{BB962C8B-B14F-4D97-AF65-F5344CB8AC3E}">
@@ -10460,9 +10760,9 @@
       </p:grpSpPr>
       <p:sp>
         <p:nvSpPr>
-          <p:cNvPr id="6" name="Title 5"/>
+          <p:cNvPr id="516098" name="Rectangle 2"/>
           <p:cNvSpPr>
-            <a:spLocks noGrp="1"/>
+            <a:spLocks noGrp="1" noChangeArrowheads="1"/>
           </p:cNvSpPr>
           <p:nvPr>
             <p:ph type="title"/>
@@ -10473,11 +10773,418 @@
           <a:bodyPr/>
           <a:lstStyle/>
           <a:p>
+            <a:pPr>
+              <a:defRPr/>
+            </a:pPr>
+            <a:r>
+              <a:rPr lang="en-US" dirty="0" err="1"/>
+              <a:t>PopupMenu</a:t>
+            </a:r>
+            <a:endParaRPr lang="en-US" noProof="1" smtClean="0"/>
+          </a:p>
+        </p:txBody>
+      </p:sp>
+      <p:sp>
+        <p:nvSpPr>
+          <p:cNvPr id="516099" name="Rectangle 3"/>
+          <p:cNvSpPr>
+            <a:spLocks noGrp="1" noChangeArrowheads="1"/>
+          </p:cNvSpPr>
+          <p:nvPr>
+            <p:ph idx="1"/>
+          </p:nvPr>
+        </p:nvSpPr>
+        <p:spPr>
+          <a:xfrm>
+            <a:off x="228600" y="990600"/>
+            <a:ext cx="8686800" cy="3323526"/>
+          </a:xfrm>
+        </p:spPr>
+        <p:txBody>
+          <a:bodyPr/>
+          <a:lstStyle/>
+          <a:p>
+            <a:pPr>
+              <a:defRPr/>
+            </a:pPr>
+            <a:r>
+              <a:rPr lang="en-US" dirty="0" err="1">
+                <a:solidFill>
+                  <a:schemeClr val="accent5">
+                    <a:lumMod val="20000"/>
+                    <a:lumOff val="80000"/>
+                  </a:schemeClr>
+                </a:solidFill>
+                <a:latin typeface="Consolas" pitchFamily="49" charset="0"/>
+              </a:rPr>
+              <a:t>PopupMenu</a:t>
+            </a:r>
+            <a:r>
+              <a:rPr lang="en-US" dirty="0"/>
+              <a:t> </a:t>
+            </a:r>
             <a:r>
               <a:rPr lang="en-US" dirty="0" smtClean="0"/>
-              <a:t>XAML Overview</a:t>
+              <a:t>is </a:t>
+            </a:r>
+            <a:r>
+              <a:rPr lang="en-US" dirty="0"/>
+              <a:t>actually a </a:t>
+            </a:r>
+            <a:r>
+              <a:rPr lang="en-US" dirty="0" smtClean="0"/>
+              <a:t>context menu</a:t>
+            </a:r>
+            <a:endParaRPr lang="en-US" dirty="0" smtClean="0">
+              <a:solidFill>
+                <a:schemeClr val="accent5">
+                  <a:lumMod val="20000"/>
+                  <a:lumOff val="80000"/>
+                </a:schemeClr>
+              </a:solidFill>
+              <a:latin typeface="Consolas" pitchFamily="49" charset="0"/>
+            </a:endParaRPr>
+          </a:p>
+          <a:p>
+            <a:pPr lvl="1">
+              <a:lnSpc>
+                <a:spcPct val="100000"/>
+              </a:lnSpc>
+              <a:defRPr/>
+            </a:pPr>
+            <a:r>
+              <a:rPr lang="en-US" dirty="0" smtClean="0"/>
+              <a:t>It’s a simple container</a:t>
+            </a:r>
+            <a:br>
+              <a:rPr lang="en-US" dirty="0" smtClean="0"/>
+            </a:br>
+            <a:r>
+              <a:rPr lang="en-US" dirty="0" smtClean="0"/>
+              <a:t>designed to hold </a:t>
+            </a:r>
+            <a:r>
+              <a:rPr lang="en-US" noProof="1" smtClean="0">
+                <a:solidFill>
+                  <a:schemeClr val="accent5">
+                    <a:lumMod val="20000"/>
+                    <a:lumOff val="80000"/>
+                  </a:schemeClr>
+                </a:solidFill>
+                <a:latin typeface="Consolas" pitchFamily="49" charset="0"/>
+              </a:rPr>
+              <a:t>Commands</a:t>
+            </a:r>
+            <a:endParaRPr lang="en-US" dirty="0" smtClean="0">
+              <a:solidFill>
+                <a:schemeClr val="accent5">
+                  <a:lumMod val="20000"/>
+                  <a:lumOff val="80000"/>
+                </a:schemeClr>
+              </a:solidFill>
+              <a:latin typeface="Consolas" pitchFamily="49" charset="0"/>
+            </a:endParaRPr>
+          </a:p>
+          <a:p>
+            <a:pPr>
+              <a:lnSpc>
+                <a:spcPct val="100000"/>
+              </a:lnSpc>
+              <a:defRPr/>
+            </a:pPr>
+            <a:r>
+              <a:rPr lang="en-US" smtClean="0"/>
+              <a:t>Must </a:t>
+            </a:r>
+            <a:r>
+              <a:rPr lang="en-US" dirty="0" smtClean="0"/>
+              <a:t>be attached to a control using code behind</a:t>
+            </a:r>
+          </a:p>
+          <a:p>
+            <a:pPr>
+              <a:lnSpc>
+                <a:spcPct val="100000"/>
+              </a:lnSpc>
+              <a:defRPr/>
+            </a:pPr>
+            <a:r>
+              <a:rPr lang="en-US" dirty="0" smtClean="0"/>
+              <a:t>When a user right-taps on the control the context menu is displayed</a:t>
+            </a:r>
+          </a:p>
+        </p:txBody>
+      </p:sp>
+      <p:sp>
+        <p:nvSpPr>
+          <p:cNvPr id="2" name="Text Placeholder 1"/>
+          <p:cNvSpPr>
+            <a:spLocks noGrp="1"/>
+          </p:cNvSpPr>
+          <p:nvPr>
+            <p:ph type="body" sz="quarter" idx="11"/>
+          </p:nvPr>
+        </p:nvSpPr>
+        <p:spPr>
+          <a:xfrm>
+            <a:off x="533400" y="4405745"/>
+            <a:ext cx="8077200" cy="1938992"/>
+          </a:xfrm>
+        </p:spPr>
+        <p:txBody>
+          <a:bodyPr/>
+          <a:lstStyle/>
+          <a:p>
+            <a:r>
+              <a:rPr lang="en-US" dirty="0" err="1"/>
+              <a:t>PopupMenu</a:t>
+            </a:r>
+            <a:r>
+              <a:rPr lang="en-US" dirty="0"/>
+              <a:t> </a:t>
+            </a:r>
+            <a:r>
+              <a:rPr lang="en-US" dirty="0" err="1"/>
+              <a:t>popupMenu</a:t>
+            </a:r>
+            <a:r>
+              <a:rPr lang="en-US" dirty="0"/>
+              <a:t> = new </a:t>
+            </a:r>
+            <a:r>
+              <a:rPr lang="en-US" dirty="0" err="1"/>
+              <a:t>PopupMenu</a:t>
+            </a:r>
+            <a:r>
+              <a:rPr lang="en-US" dirty="0" smtClean="0"/>
+              <a:t>();</a:t>
+            </a:r>
+          </a:p>
+          <a:p>
+            <a:r>
+              <a:rPr lang="en-US" dirty="0" err="1" smtClean="0"/>
+              <a:t>popupMenu.Commands.Add</a:t>
+            </a:r>
+            <a:r>
+              <a:rPr lang="en-US" dirty="0" smtClean="0"/>
+              <a:t>(new </a:t>
+            </a:r>
+            <a:r>
+              <a:rPr lang="en-US" dirty="0" err="1" smtClean="0"/>
+              <a:t>UICommand</a:t>
+            </a:r>
+            <a:r>
+              <a:rPr lang="en-US" dirty="0" smtClean="0"/>
+              <a:t>(…));</a:t>
+            </a:r>
+          </a:p>
+          <a:p>
+            <a:endParaRPr lang="en-US" dirty="0" smtClean="0"/>
+          </a:p>
+          <a:p>
+            <a:r>
+              <a:rPr lang="en-US" dirty="0" err="1"/>
+              <a:t>IUICommand</a:t>
+            </a:r>
+            <a:r>
+              <a:rPr lang="en-US" dirty="0"/>
+              <a:t> </a:t>
+            </a:r>
+            <a:r>
+              <a:rPr lang="en-US" dirty="0" err="1"/>
+              <a:t>chosenCommand</a:t>
+            </a:r>
+            <a:r>
+              <a:rPr lang="en-US" dirty="0"/>
+              <a:t> = await </a:t>
+            </a:r>
+            <a:r>
+              <a:rPr lang="en-US" dirty="0" err="1" smtClean="0"/>
+              <a:t>popupMenu</a:t>
+            </a:r>
+            <a:endParaRPr lang="en-US" dirty="0" smtClean="0"/>
+          </a:p>
+          <a:p>
+            <a:r>
+              <a:rPr lang="en-US" dirty="0"/>
+              <a:t> </a:t>
+            </a:r>
+            <a:r>
+              <a:rPr lang="en-US" dirty="0" smtClean="0"/>
+              <a:t> .</a:t>
+            </a:r>
+            <a:r>
+              <a:rPr lang="en-US" dirty="0" err="1" smtClean="0"/>
+              <a:t>ShowForSelectionAsync</a:t>
+            </a:r>
+            <a:r>
+              <a:rPr lang="en-US" dirty="0" smtClean="0"/>
+              <a:t>(</a:t>
+            </a:r>
+          </a:p>
+          <a:p>
+            <a:r>
+              <a:rPr lang="en-US" dirty="0"/>
+              <a:t> </a:t>
+            </a:r>
+            <a:r>
+              <a:rPr lang="en-US" dirty="0" smtClean="0"/>
+              <a:t>    </a:t>
+            </a:r>
+            <a:r>
+              <a:rPr lang="en-US" dirty="0" err="1" smtClean="0"/>
+              <a:t>GetElementRect</a:t>
+            </a:r>
+            <a:r>
+              <a:rPr lang="en-US" dirty="0"/>
+              <a:t>((</a:t>
+            </a:r>
+            <a:r>
+              <a:rPr lang="en-US" dirty="0" err="1"/>
+              <a:t>FrameworkElement</a:t>
+            </a:r>
+            <a:r>
+              <a:rPr lang="en-US" dirty="0"/>
+              <a:t>)sender</a:t>
+            </a:r>
+            <a:r>
+              <a:rPr lang="en-US" dirty="0" smtClean="0"/>
+              <a:t>));</a:t>
             </a:r>
             <a:endParaRPr lang="en-US" dirty="0"/>
+          </a:p>
+        </p:txBody>
+      </p:sp>
+      <p:sp>
+        <p:nvSpPr>
+          <p:cNvPr id="5" name="Slide Number Placeholder 3"/>
+          <p:cNvSpPr>
+            <a:spLocks noGrp="1"/>
+          </p:cNvSpPr>
+          <p:nvPr>
+            <p:ph type="sldNum" sz="quarter" idx="10"/>
+          </p:nvPr>
+        </p:nvSpPr>
+        <p:spPr/>
+        <p:txBody>
+          <a:bodyPr/>
+          <a:lstStyle/>
+          <a:p>
+            <a:pPr>
+              <a:defRPr/>
+            </a:pPr>
+            <a:fld id="{58452FF4-89E3-4D1B-9927-2DBDC00E58D7}" type="slidenum">
+              <a:rPr lang="en-US" smtClean="0"/>
+              <a:pPr>
+                <a:defRPr/>
+              </a:pPr>
+              <a:t>22</a:t>
+            </a:fld>
+            <a:endParaRPr lang="en-US" dirty="0"/>
+          </a:p>
+        </p:txBody>
+      </p:sp>
+      <p:pic>
+        <p:nvPicPr>
+          <p:cNvPr id="3" name="Picture 2"/>
+          <p:cNvPicPr>
+            <a:picLocks noChangeAspect="1"/>
+          </p:cNvPicPr>
+          <p:nvPr/>
+        </p:nvPicPr>
+        <p:blipFill>
+          <a:blip r:embed="rId2"/>
+          <a:stretch>
+            <a:fillRect/>
+          </a:stretch>
+        </p:blipFill>
+        <p:spPr>
+          <a:xfrm>
+            <a:off x="7241261" y="1186380"/>
+            <a:ext cx="1095528" cy="1276528"/>
+          </a:xfrm>
+          <a:prstGeom prst="rect">
+            <a:avLst/>
+          </a:prstGeom>
+        </p:spPr>
+      </p:pic>
+    </p:spTree>
+    <p:extLst>
+      <p:ext uri="{BB962C8B-B14F-4D97-AF65-F5344CB8AC3E}">
+        <p14:creationId xmlns:p14="http://schemas.microsoft.com/office/powerpoint/2010/main" val="1267525605"/>
+      </p:ext>
+    </p:extLst>
+  </p:cSld>
+  <p:clrMapOvr>
+    <a:masterClrMapping/>
+  </p:clrMapOvr>
+  <p:transition/>
+  <p:timing>
+    <p:tnLst>
+      <p:par>
+        <p:cTn id="1" dur="indefinite" restart="never" nodeType="tmRoot"/>
+      </p:par>
+    </p:tnLst>
+  </p:timing>
+</p:sld>
+</file>
+
+<file path=ppt/slides/slide23.xml><?xml version="1.0" encoding="utf-8"?>
+<p:sld xmlns:a="http://schemas.openxmlformats.org/drawingml/2006/main" xmlns:r="http://schemas.openxmlformats.org/officeDocument/2006/relationships" xmlns:p="http://schemas.openxmlformats.org/presentationml/2006/main">
+  <p:cSld>
+    <p:spTree>
+      <p:nvGrpSpPr>
+        <p:cNvPr id="1" name=""/>
+        <p:cNvGrpSpPr/>
+        <p:nvPr/>
+      </p:nvGrpSpPr>
+      <p:grpSpPr>
+        <a:xfrm>
+          <a:off x="0" y="0"/>
+          <a:ext cx="0" cy="0"/>
+          <a:chOff x="0" y="0"/>
+          <a:chExt cx="0" cy="0"/>
+        </a:xfrm>
+      </p:grpSpPr>
+      <p:sp>
+        <p:nvSpPr>
+          <p:cNvPr id="6" name="Title 5"/>
+          <p:cNvSpPr>
+            <a:spLocks noGrp="1"/>
+          </p:cNvSpPr>
+          <p:nvPr>
+            <p:ph type="title"/>
+          </p:nvPr>
+        </p:nvSpPr>
+        <p:spPr>
+          <a:xfrm>
+            <a:off x="1828800" y="152400"/>
+            <a:ext cx="7086600" cy="1061258"/>
+          </a:xfrm>
+        </p:spPr>
+        <p:txBody>
+          <a:bodyPr/>
+          <a:lstStyle/>
+          <a:p>
+            <a:r>
+              <a:rPr lang="en-US" dirty="0"/>
+              <a:t>Universal </a:t>
+            </a:r>
+            <a:r>
+              <a:rPr lang="en-US" dirty="0" smtClean="0"/>
+              <a:t>Windows</a:t>
+            </a:r>
+            <a:br>
+              <a:rPr lang="en-US" dirty="0" smtClean="0"/>
+            </a:br>
+            <a:r>
+              <a:rPr lang="en-US" dirty="0" smtClean="0"/>
+              <a:t>Platform </a:t>
+            </a:r>
+            <a:r>
+              <a:rPr lang="en-US" dirty="0"/>
+              <a:t>Controls</a:t>
+            </a:r>
           </a:p>
         </p:txBody>
       </p:sp>
@@ -10535,7 +11242,7 @@
 </p:sld>
 </file>
 
-<file path=ppt/slides/slide23.xml><?xml version="1.0" encoding="utf-8"?>
+<file path=ppt/slides/slide24.xml><?xml version="1.0" encoding="utf-8"?>
 <p:sld xmlns:a="http://schemas.openxmlformats.org/drawingml/2006/main" xmlns:r="http://schemas.openxmlformats.org/officeDocument/2006/relationships" xmlns:p="http://schemas.openxmlformats.org/presentationml/2006/main">
   <p:cSld>
     <p:spTree>
@@ -10817,7 +11524,7 @@
               <a:pPr>
                 <a:defRPr/>
               </a:pPr>
-              <a:t>23</a:t>
+              <a:t>24</a:t>
             </a:fld>
             <a:endParaRPr lang="en-US" dirty="0"/>
           </a:p>
@@ -11247,11 +11954,7 @@
             </a:pPr>
             <a:r>
               <a:rPr lang="en-US" dirty="0" smtClean="0"/>
-              <a:t>UWP provides </a:t>
-            </a:r>
-            <a:r>
-              <a:rPr lang="en-US" dirty="0" smtClean="0"/>
-              <a:t>a range of built-in controls</a:t>
+              <a:t>UWP provides a range of built-in controls</a:t>
             </a:r>
           </a:p>
           <a:p>
@@ -11522,8 +12225,13 @@
             </a:pPr>
             <a:r>
               <a:rPr lang="bg-BG" dirty="0" smtClean="0"/>
-              <a:t>TextBox</a:t>
-            </a:r>
+              <a:t>TextB</a:t>
+            </a:r>
+            <a:r>
+              <a:rPr lang="en-US" dirty="0" smtClean="0"/>
+              <a:t>lock</a:t>
+            </a:r>
+            <a:endParaRPr lang="bg-BG" dirty="0" smtClean="0"/>
           </a:p>
         </p:txBody>
       </p:sp>
@@ -11537,12 +12245,7 @@
             <p:ph idx="1"/>
           </p:nvPr>
         </p:nvSpPr>
-        <p:spPr>
-          <a:xfrm>
-            <a:off x="228600" y="848034"/>
-            <a:ext cx="8686800" cy="5791200"/>
-          </a:xfrm>
-        </p:spPr>
+        <p:spPr/>
         <p:txBody>
           <a:bodyPr/>
           <a:lstStyle/>
@@ -11563,23 +12266,11 @@
                 </a:solidFill>
                 <a:latin typeface="Consolas" pitchFamily="49" charset="0"/>
               </a:rPr>
-              <a:t>TextBox</a:t>
+              <a:t>TextBlock</a:t>
             </a:r>
             <a:r>
               <a:rPr lang="en-US" dirty="0" smtClean="0"/>
-              <a:t> </a:t>
-            </a:r>
-            <a:r>
-              <a:rPr lang="en-US" dirty="0">
-                <a:effectLst/>
-              </a:rPr>
-              <a:t>a control that can be used to display single-format, multi-line </a:t>
-            </a:r>
-            <a:r>
-              <a:rPr lang="en-US" dirty="0" smtClean="0">
-                <a:effectLst/>
-              </a:rPr>
-              <a:t>text</a:t>
+              <a:t> a lightweight control for displaying small amounts of text</a:t>
             </a:r>
           </a:p>
           <a:p>
@@ -11590,11 +12281,7 @@
               <a:defRPr/>
             </a:pPr>
             <a:r>
-              <a:rPr lang="en-US" sz="2400" dirty="0" smtClean="0"/>
-              <a:t>By setting </a:t>
-            </a:r>
-            <a:r>
-              <a:rPr lang="en-US" sz="2400" noProof="1" smtClean="0">
+              <a:rPr lang="en-US" sz="2800" dirty="0">
                 <a:solidFill>
                   <a:schemeClr val="accent5">
                     <a:lumMod val="20000"/>
@@ -11603,12 +12290,17 @@
                 </a:solidFill>
                 <a:latin typeface="Consolas" pitchFamily="49" charset="0"/>
               </a:rPr>
-              <a:t>AcceptsReturn</a:t>
-            </a:r>
-            <a:r>
-              <a:rPr lang="en-US" sz="2400" dirty="0" smtClean="0"/>
-              <a:t> to true, it can edit multiple lines</a:t>
-            </a:r>
+              <a:t>x:Name</a:t>
+            </a:r>
+            <a:r>
+              <a:rPr lang="en-US" sz="2800" dirty="0" smtClean="0"/>
+              <a:t> – Identifying </a:t>
+            </a:r>
+            <a:r>
+              <a:rPr lang="en-US" sz="2800" dirty="0"/>
+              <a:t>name of the object</a:t>
+            </a:r>
+            <a:endParaRPr lang="en-US" sz="2800" dirty="0" smtClean="0"/>
           </a:p>
           <a:p>
             <a:pPr lvl="1">
@@ -11618,7 +12310,7 @@
               <a:defRPr/>
             </a:pPr>
             <a:r>
-              <a:rPr lang="en-US" sz="2400" dirty="0" err="1" smtClean="0">
+              <a:rPr lang="en-US" sz="2800" dirty="0" err="1">
                 <a:solidFill>
                   <a:schemeClr val="accent5">
                     <a:lumMod val="20000"/>
@@ -11627,15 +12319,19 @@
                 </a:solidFill>
                 <a:latin typeface="Consolas" pitchFamily="49" charset="0"/>
               </a:rPr>
-              <a:t>ScrollViewer.VerticalScrollBarVisibility</a:t>
-            </a:r>
-            <a:r>
-              <a:rPr lang="en-US" sz="2400" dirty="0"/>
-              <a:t> </a:t>
-            </a:r>
-            <a:r>
-              <a:rPr lang="en-US" sz="2400" dirty="0" smtClean="0"/>
-              <a:t>– attached property that gets/sets scrollbar visibility</a:t>
+              <a:t>TextWrapping</a:t>
+            </a:r>
+            <a:r>
+              <a:rPr lang="en-US" sz="2800" dirty="0" smtClean="0"/>
+              <a:t> – </a:t>
+            </a:r>
+            <a:r>
+              <a:rPr lang="en-US" sz="2800" dirty="0"/>
+              <a:t>H</a:t>
+            </a:r>
+            <a:r>
+              <a:rPr lang="en-US" sz="2800" dirty="0" smtClean="0"/>
+              <a:t>ow text should be wrapped</a:t>
             </a:r>
           </a:p>
           <a:p>
@@ -11645,7 +12341,7 @@
               </a:lnSpc>
               <a:defRPr/>
             </a:pPr>
-            <a:endParaRPr lang="en-US" sz="2400" dirty="0"/>
+            <a:endParaRPr lang="en-US" sz="2800" dirty="0" smtClean="0"/>
           </a:p>
           <a:p>
             <a:pPr lvl="1">
@@ -11654,50 +12350,7 @@
               </a:lnSpc>
               <a:defRPr/>
             </a:pPr>
-            <a:endParaRPr lang="en-US" sz="2400" dirty="0" smtClean="0"/>
-          </a:p>
-          <a:p>
-            <a:pPr lvl="1">
-              <a:lnSpc>
-                <a:spcPct val="100000"/>
-              </a:lnSpc>
-              <a:defRPr/>
-            </a:pPr>
-            <a:endParaRPr lang="en-US" sz="2400" dirty="0"/>
-          </a:p>
-          <a:p>
-            <a:pPr lvl="1">
-              <a:lnSpc>
-                <a:spcPct val="100000"/>
-              </a:lnSpc>
-              <a:defRPr/>
-            </a:pPr>
-            <a:endParaRPr lang="en-US" sz="2400" dirty="0" smtClean="0"/>
-          </a:p>
-          <a:p>
-            <a:r>
-              <a:rPr lang="en-US" dirty="0" err="1">
-                <a:solidFill>
-                  <a:schemeClr val="accent5">
-                    <a:lumMod val="20000"/>
-                    <a:lumOff val="80000"/>
-                  </a:schemeClr>
-                </a:solidFill>
-                <a:latin typeface="Consolas" pitchFamily="49" charset="0"/>
-              </a:rPr>
-              <a:t>PasswordBox</a:t>
-            </a:r>
-            <a:r>
-              <a:rPr lang="en-US" dirty="0" smtClean="0"/>
-              <a:t> </a:t>
-            </a:r>
-          </a:p>
-          <a:p>
-            <a:pPr lvl="1"/>
-            <a:r>
-              <a:rPr lang="en-US" sz="2800" dirty="0"/>
-              <a:t>The users sees only the "*" symbol</a:t>
-            </a:r>
+            <a:endParaRPr lang="en-US" dirty="0" smtClean="0"/>
           </a:p>
         </p:txBody>
       </p:sp>
@@ -11740,8 +12393,8 @@
         </p:nvSpPr>
         <p:spPr bwMode="auto">
           <a:xfrm>
-            <a:off x="546100" y="3383410"/>
-            <a:ext cx="8064500" cy="1938992"/>
+            <a:off x="539750" y="3930383"/>
+            <a:ext cx="8064500" cy="2246769"/>
           </a:xfrm>
           <a:prstGeom prst="rect">
             <a:avLst/>
@@ -11769,12 +12422,6 @@
           <a:lstStyle/>
           <a:p>
             <a:pPr eaLnBrk="0" hangingPunct="0">
-              <a:lnSpc>
-                <a:spcPct val="100000"/>
-              </a:lnSpc>
-              <a:spcBef>
-                <a:spcPts val="0"/>
-              </a:spcBef>
               <a:buClr>
                 <a:schemeClr val="accent5">
                   <a:lumMod val="40000"/>
@@ -11785,7 +12432,7 @@
               <a:defRPr/>
             </a:pPr>
             <a:r>
-              <a:rPr lang="bg-BG" sz="2000" b="1" noProof="1" smtClean="0">
+              <a:rPr lang="en-US" sz="2000" b="1" dirty="0">
                 <a:solidFill>
                   <a:srgbClr val="8CF4F2"/>
                 </a:solidFill>
@@ -11799,42 +12446,27 @@
                 <a:latin typeface="Consolas" pitchFamily="49" charset="0"/>
                 <a:cs typeface="Consolas" pitchFamily="49" charset="0"/>
               </a:rPr>
-              <a:t>&lt;TextBox Margin="5" VerticalAlignment="Center"</a:t>
-            </a:r>
-            <a:endParaRPr lang="en-US" sz="2000" b="1" noProof="1" smtClean="0">
-              <a:solidFill>
-                <a:srgbClr val="8CF4F2"/>
-              </a:solidFill>
-              <a:effectLst>
-                <a:outerShdw blurRad="38100" dist="38100" dir="2700000" algn="tl">
-                  <a:srgbClr val="000000">
-                    <a:alpha val="43137"/>
-                  </a:srgbClr>
-                </a:outerShdw>
-              </a:effectLst>
-              <a:latin typeface="Consolas" pitchFamily="49" charset="0"/>
-              <a:cs typeface="Consolas" pitchFamily="49" charset="0"/>
-            </a:endParaRPr>
-          </a:p>
-          <a:p>
-            <a:pPr eaLnBrk="0" hangingPunct="0">
-              <a:lnSpc>
-                <a:spcPct val="100000"/>
-              </a:lnSpc>
-              <a:spcBef>
-                <a:spcPts val="0"/>
-              </a:spcBef>
-              <a:buClr>
-                <a:schemeClr val="accent5">
-                  <a:lumMod val="40000"/>
-                  <a:lumOff val="60000"/>
-                </a:schemeClr>
-              </a:buClr>
-              <a:buSzPct val="70000"/>
-              <a:defRPr/>
-            </a:pPr>
-            <a:r>
-              <a:rPr lang="en-US" sz="2000" b="1" noProof="1">
+              <a:t>&lt;</a:t>
+            </a:r>
+            <a:r>
+              <a:rPr lang="en-US" sz="2000" b="1" dirty="0" err="1" smtClean="0">
+                <a:solidFill>
+                  <a:srgbClr val="8CF4F2"/>
+                </a:solidFill>
+                <a:effectLst>
+                  <a:outerShdw blurRad="38100" dist="38100" dir="2700000" algn="tl">
+                    <a:srgbClr val="000000">
+                      <a:alpha val="43137"/>
+                    </a:srgbClr>
+                  </a:outerShdw>
+                </a:effectLst>
+                <a:latin typeface="Consolas" pitchFamily="49" charset="0"/>
+                <a:cs typeface="Consolas" pitchFamily="49" charset="0"/>
+              </a:rPr>
+              <a:t>TextBlock</a:t>
+            </a:r>
+            <a:r>
+              <a:rPr lang="en-US" sz="2000" b="1" dirty="0">
                 <a:solidFill>
                   <a:srgbClr val="8CF4F2"/>
                 </a:solidFill>
@@ -11851,7 +12483,257 @@
               <a:t> </a:t>
             </a:r>
             <a:r>
-              <a:rPr lang="en-US" sz="2000" b="1" noProof="1" smtClean="0">
+              <a:rPr lang="en-US" sz="2000" b="1" dirty="0" smtClean="0">
+                <a:solidFill>
+                  <a:srgbClr val="8CF4F2"/>
+                </a:solidFill>
+                <a:effectLst>
+                  <a:outerShdw blurRad="38100" dist="38100" dir="2700000" algn="tl">
+                    <a:srgbClr val="000000">
+                      <a:alpha val="43137"/>
+                    </a:srgbClr>
+                  </a:outerShdw>
+                </a:effectLst>
+                <a:latin typeface="Consolas" pitchFamily="49" charset="0"/>
+                <a:cs typeface="Consolas" pitchFamily="49" charset="0"/>
+              </a:rPr>
+              <a:t>x:Name</a:t>
+            </a:r>
+            <a:r>
+              <a:rPr lang="en-US" sz="2000" b="1" dirty="0">
+                <a:solidFill>
+                  <a:srgbClr val="8CF4F2"/>
+                </a:solidFill>
+                <a:effectLst>
+                  <a:outerShdw blurRad="38100" dist="38100" dir="2700000" algn="tl">
+                    <a:srgbClr val="000000">
+                      <a:alpha val="43137"/>
+                    </a:srgbClr>
+                  </a:outerShdw>
+                </a:effectLst>
+                <a:latin typeface="Consolas" pitchFamily="49" charset="0"/>
+                <a:cs typeface="Consolas" pitchFamily="49" charset="0"/>
+              </a:rPr>
+              <a:t>="TextBlock"</a:t>
+            </a:r>
+          </a:p>
+          <a:p>
+            <a:pPr eaLnBrk="0" hangingPunct="0">
+              <a:buClr>
+                <a:schemeClr val="accent5">
+                  <a:lumMod val="40000"/>
+                  <a:lumOff val="60000"/>
+                </a:schemeClr>
+              </a:buClr>
+              <a:buSzPct val="70000"/>
+              <a:defRPr/>
+            </a:pPr>
+            <a:r>
+              <a:rPr lang="en-US" sz="2000" b="1" dirty="0" smtClean="0">
+                <a:solidFill>
+                  <a:srgbClr val="8CF4F2"/>
+                </a:solidFill>
+                <a:effectLst>
+                  <a:outerShdw blurRad="38100" dist="38100" dir="2700000" algn="tl">
+                    <a:srgbClr val="000000">
+                      <a:alpha val="43137"/>
+                    </a:srgbClr>
+                  </a:outerShdw>
+                </a:effectLst>
+                <a:latin typeface="Consolas" pitchFamily="49" charset="0"/>
+                <a:cs typeface="Consolas" pitchFamily="49" charset="0"/>
+              </a:rPr>
+              <a:t>           </a:t>
+            </a:r>
+            <a:r>
+              <a:rPr lang="en-US" sz="2000" b="1" dirty="0" err="1" smtClean="0">
+                <a:solidFill>
+                  <a:srgbClr val="8CF4F2"/>
+                </a:solidFill>
+                <a:effectLst>
+                  <a:outerShdw blurRad="38100" dist="38100" dir="2700000" algn="tl">
+                    <a:srgbClr val="000000">
+                      <a:alpha val="43137"/>
+                    </a:srgbClr>
+                  </a:outerShdw>
+                </a:effectLst>
+                <a:latin typeface="Consolas" pitchFamily="49" charset="0"/>
+                <a:cs typeface="Consolas" pitchFamily="49" charset="0"/>
+              </a:rPr>
+              <a:t>VerticalAlignment</a:t>
+            </a:r>
+            <a:r>
+              <a:rPr lang="en-US" sz="2000" b="1" dirty="0">
+                <a:solidFill>
+                  <a:srgbClr val="8CF4F2"/>
+                </a:solidFill>
+                <a:effectLst>
+                  <a:outerShdw blurRad="38100" dist="38100" dir="2700000" algn="tl">
+                    <a:srgbClr val="000000">
+                      <a:alpha val="43137"/>
+                    </a:srgbClr>
+                  </a:outerShdw>
+                </a:effectLst>
+                <a:latin typeface="Consolas" pitchFamily="49" charset="0"/>
+                <a:cs typeface="Consolas" pitchFamily="49" charset="0"/>
+              </a:rPr>
+              <a:t>="</a:t>
+            </a:r>
+            <a:r>
+              <a:rPr lang="en-US" sz="2000" b="1" dirty="0" smtClean="0">
+                <a:solidFill>
+                  <a:srgbClr val="8CF4F2"/>
+                </a:solidFill>
+                <a:effectLst>
+                  <a:outerShdw blurRad="38100" dist="38100" dir="2700000" algn="tl">
+                    <a:srgbClr val="000000">
+                      <a:alpha val="43137"/>
+                    </a:srgbClr>
+                  </a:outerShdw>
+                </a:effectLst>
+                <a:latin typeface="Consolas" pitchFamily="49" charset="0"/>
+                <a:cs typeface="Consolas" pitchFamily="49" charset="0"/>
+              </a:rPr>
+              <a:t>Center"</a:t>
+            </a:r>
+          </a:p>
+          <a:p>
+            <a:pPr lvl="1" eaLnBrk="0" hangingPunct="0">
+              <a:buClr>
+                <a:schemeClr val="accent5">
+                  <a:lumMod val="40000"/>
+                  <a:lumOff val="60000"/>
+                </a:schemeClr>
+              </a:buClr>
+              <a:buSzPct val="70000"/>
+              <a:defRPr/>
+            </a:pPr>
+            <a:r>
+              <a:rPr lang="en-US" sz="2000" b="1" dirty="0">
+                <a:solidFill>
+                  <a:srgbClr val="8CF4F2"/>
+                </a:solidFill>
+                <a:effectLst>
+                  <a:outerShdw blurRad="38100" dist="38100" dir="2700000" algn="tl">
+                    <a:srgbClr val="000000">
+                      <a:alpha val="43137"/>
+                    </a:srgbClr>
+                  </a:outerShdw>
+                </a:effectLst>
+                <a:latin typeface="Consolas" pitchFamily="49" charset="0"/>
+                <a:cs typeface="Consolas" pitchFamily="49" charset="0"/>
+              </a:rPr>
+              <a:t>        </a:t>
+            </a:r>
+            <a:r>
+              <a:rPr lang="en-US" sz="2000" b="1" dirty="0" err="1" smtClean="0">
+                <a:solidFill>
+                  <a:srgbClr val="8CF4F2"/>
+                </a:solidFill>
+                <a:effectLst>
+                  <a:outerShdw blurRad="38100" dist="38100" dir="2700000" algn="tl">
+                    <a:srgbClr val="000000">
+                      <a:alpha val="43137"/>
+                    </a:srgbClr>
+                  </a:outerShdw>
+                </a:effectLst>
+                <a:latin typeface="Consolas" pitchFamily="49" charset="0"/>
+                <a:cs typeface="Consolas" pitchFamily="49" charset="0"/>
+              </a:rPr>
+              <a:t>HorizontalAlignment</a:t>
+            </a:r>
+            <a:r>
+              <a:rPr lang="en-US" sz="2000" b="1" dirty="0" smtClean="0">
+                <a:solidFill>
+                  <a:srgbClr val="8CF4F2"/>
+                </a:solidFill>
+                <a:effectLst>
+                  <a:outerShdw blurRad="38100" dist="38100" dir="2700000" algn="tl">
+                    <a:srgbClr val="000000">
+                      <a:alpha val="43137"/>
+                    </a:srgbClr>
+                  </a:outerShdw>
+                </a:effectLst>
+                <a:latin typeface="Consolas" pitchFamily="49" charset="0"/>
+                <a:cs typeface="Consolas" pitchFamily="49" charset="0"/>
+              </a:rPr>
+              <a:t>="Center"</a:t>
+            </a:r>
+          </a:p>
+          <a:p>
+            <a:r>
+              <a:rPr lang="en-US" sz="2000" b="1" dirty="0" smtClean="0">
+                <a:solidFill>
+                  <a:srgbClr val="8CF4F2"/>
+                </a:solidFill>
+                <a:effectLst>
+                  <a:outerShdw blurRad="38100" dist="38100" dir="2700000" algn="tl">
+                    <a:srgbClr val="000000">
+                      <a:alpha val="43137"/>
+                    </a:srgbClr>
+                  </a:outerShdw>
+                </a:effectLst>
+                <a:latin typeface="Consolas" pitchFamily="49" charset="0"/>
+                <a:cs typeface="Consolas" pitchFamily="49" charset="0"/>
+              </a:rPr>
+              <a:t>           </a:t>
+            </a:r>
+            <a:r>
+              <a:rPr lang="en-US" sz="2000" b="1" dirty="0" err="1" smtClean="0">
+                <a:solidFill>
+                  <a:srgbClr val="8CF4F2"/>
+                </a:solidFill>
+                <a:effectLst>
+                  <a:outerShdw blurRad="38100" dist="38100" dir="2700000" algn="tl">
+                    <a:srgbClr val="000000">
+                      <a:alpha val="43137"/>
+                    </a:srgbClr>
+                  </a:outerShdw>
+                </a:effectLst>
+                <a:latin typeface="Consolas" pitchFamily="49" charset="0"/>
+                <a:cs typeface="Consolas" pitchFamily="49" charset="0"/>
+              </a:rPr>
+              <a:t>FontSize</a:t>
+            </a:r>
+            <a:r>
+              <a:rPr lang="en-US" sz="2000" b="1" dirty="0">
+                <a:solidFill>
+                  <a:srgbClr val="8CF4F2"/>
+                </a:solidFill>
+                <a:effectLst>
+                  <a:outerShdw blurRad="38100" dist="38100" dir="2700000" algn="tl">
+                    <a:srgbClr val="000000">
+                      <a:alpha val="43137"/>
+                    </a:srgbClr>
+                  </a:outerShdw>
+                </a:effectLst>
+                <a:latin typeface="Consolas" pitchFamily="49" charset="0"/>
+                <a:cs typeface="Consolas" pitchFamily="49" charset="0"/>
+              </a:rPr>
+              <a:t>="35</a:t>
+            </a:r>
+            <a:r>
+              <a:rPr lang="en-US" sz="2000" b="1" dirty="0" smtClean="0">
+                <a:solidFill>
+                  <a:srgbClr val="8CF4F2"/>
+                </a:solidFill>
+                <a:effectLst>
+                  <a:outerShdw blurRad="38100" dist="38100" dir="2700000" algn="tl">
+                    <a:srgbClr val="000000">
+                      <a:alpha val="43137"/>
+                    </a:srgbClr>
+                  </a:outerShdw>
+                </a:effectLst>
+                <a:latin typeface="Consolas" pitchFamily="49" charset="0"/>
+                <a:cs typeface="Consolas" pitchFamily="49" charset="0"/>
+              </a:rPr>
+              <a:t>"</a:t>
+            </a:r>
+            <a:endParaRPr lang="en-US" sz="2000" dirty="0"/>
+          </a:p>
+          <a:p>
+            <a:r>
+              <a:rPr lang="en-US" sz="2000" b="1" dirty="0">
                 <a:solidFill>
                   <a:srgbClr val="8CF4F2"/>
                 </a:solidFill>
@@ -11868,7 +12750,7 @@
               <a:t> </a:t>
             </a:r>
             <a:r>
-              <a:rPr lang="bg-BG" sz="2000" b="1" noProof="1" smtClean="0">
+              <a:rPr lang="en-US" sz="2000" b="1" dirty="0" smtClean="0">
                 <a:solidFill>
                   <a:srgbClr val="8CF4F2"/>
                 </a:solidFill>
@@ -11882,36 +12764,10 @@
                 <a:latin typeface="Consolas" pitchFamily="49" charset="0"/>
                 <a:cs typeface="Consolas" pitchFamily="49" charset="0"/>
               </a:rPr>
-              <a:t>Text="Single line textbox" /&gt;</a:t>
-            </a:r>
-            <a:endParaRPr lang="en-US" sz="2000" b="1" noProof="1" smtClean="0">
-              <a:solidFill>
-                <a:srgbClr val="8CF4F2"/>
-              </a:solidFill>
-              <a:effectLst>
-                <a:outerShdw blurRad="38100" dist="38100" dir="2700000" algn="tl">
-                  <a:srgbClr val="000000">
-                    <a:alpha val="43137"/>
-                  </a:srgbClr>
-                </a:outerShdw>
-              </a:effectLst>
-              <a:latin typeface="Consolas" pitchFamily="49" charset="0"/>
-              <a:cs typeface="Consolas" pitchFamily="49" charset="0"/>
-            </a:endParaRPr>
-          </a:p>
-          <a:p>
-            <a:pPr eaLnBrk="0" hangingPunct="0">
-              <a:buClr>
-                <a:schemeClr val="accent5">
-                  <a:lumMod val="40000"/>
-                  <a:lumOff val="60000"/>
-                </a:schemeClr>
-              </a:buClr>
-              <a:buSzPct val="70000"/>
-              <a:defRPr/>
-            </a:pPr>
-            <a:r>
-              <a:rPr lang="en-US" sz="2000" b="1" dirty="0">
+              <a:t>          </a:t>
+            </a:r>
+            <a:r>
+              <a:rPr lang="en-US" sz="2000" b="1" dirty="0" err="1" smtClean="0">
                 <a:solidFill>
                   <a:srgbClr val="8CF4F2"/>
                 </a:solidFill>
@@ -11925,10 +12781,10 @@
                 <a:latin typeface="Consolas" pitchFamily="49" charset="0"/>
                 <a:cs typeface="Consolas" pitchFamily="49" charset="0"/>
               </a:rPr>
-              <a:t>&lt;</a:t>
-            </a:r>
-            <a:r>
-              <a:rPr lang="en-US" sz="2000" b="1" dirty="0" err="1">
+              <a:t>FontWeight</a:t>
+            </a:r>
+            <a:r>
+              <a:rPr lang="en-US" sz="2000" b="1" dirty="0" smtClean="0">
                 <a:solidFill>
                   <a:srgbClr val="8CF4F2"/>
                 </a:solidFill>
@@ -11942,7 +12798,7 @@
                 <a:latin typeface="Consolas" pitchFamily="49" charset="0"/>
                 <a:cs typeface="Consolas" pitchFamily="49" charset="0"/>
               </a:rPr>
-              <a:t>TextBox</a:t>
+              <a:t>="Bold</a:t>
             </a:r>
             <a:r>
               <a:rPr lang="en-US" sz="2000" b="1" dirty="0">
@@ -11959,109 +12815,7 @@
                 <a:latin typeface="Consolas" pitchFamily="49" charset="0"/>
                 <a:cs typeface="Consolas" pitchFamily="49" charset="0"/>
               </a:rPr>
-              <a:t> </a:t>
-            </a:r>
-            <a:r>
-              <a:rPr lang="en-US" sz="2000" b="1" dirty="0" err="1">
-                <a:solidFill>
-                  <a:srgbClr val="8CF4F2"/>
-                </a:solidFill>
-                <a:effectLst>
-                  <a:outerShdw blurRad="38100" dist="38100" dir="2700000" algn="tl">
-                    <a:srgbClr val="000000">
-                      <a:alpha val="43137"/>
-                    </a:srgbClr>
-                  </a:outerShdw>
-                </a:effectLst>
-                <a:latin typeface="Consolas" pitchFamily="49" charset="0"/>
-                <a:cs typeface="Consolas" pitchFamily="49" charset="0"/>
-              </a:rPr>
-              <a:t>VerticalAlignment</a:t>
-            </a:r>
-            <a:r>
-              <a:rPr lang="en-US" sz="2000" b="1" dirty="0">
-                <a:solidFill>
-                  <a:srgbClr val="8CF4F2"/>
-                </a:solidFill>
-                <a:effectLst>
-                  <a:outerShdw blurRad="38100" dist="38100" dir="2700000" algn="tl">
-                    <a:srgbClr val="000000">
-                      <a:alpha val="43137"/>
-                    </a:srgbClr>
-                  </a:outerShdw>
-                </a:effectLst>
-                <a:latin typeface="Consolas" pitchFamily="49" charset="0"/>
-                <a:cs typeface="Consolas" pitchFamily="49" charset="0"/>
-              </a:rPr>
-              <a:t>="</a:t>
-            </a:r>
-            <a:r>
-              <a:rPr lang="en-US" sz="2000" b="1" dirty="0" smtClean="0">
-                <a:solidFill>
-                  <a:srgbClr val="8CF4F2"/>
-                </a:solidFill>
-                <a:effectLst>
-                  <a:outerShdw blurRad="38100" dist="38100" dir="2700000" algn="tl">
-                    <a:srgbClr val="000000">
-                      <a:alpha val="43137"/>
-                    </a:srgbClr>
-                  </a:outerShdw>
-                </a:effectLst>
-                <a:latin typeface="Consolas" pitchFamily="49" charset="0"/>
-                <a:cs typeface="Consolas" pitchFamily="49" charset="0"/>
-              </a:rPr>
-              <a:t>Center" </a:t>
-            </a:r>
-            <a:r>
-              <a:rPr lang="en-US" sz="2000" b="1" dirty="0" smtClean="0">
-                <a:solidFill>
-                  <a:srgbClr val="8CF4F2"/>
-                </a:solidFill>
-                <a:effectLst>
-                  <a:outerShdw blurRad="38100" dist="38100" dir="2700000" algn="tl">
-                    <a:srgbClr val="000000">
-                      <a:alpha val="43137"/>
-                    </a:srgbClr>
-                  </a:outerShdw>
-                </a:effectLst>
-                <a:latin typeface="Consolas" pitchFamily="49" charset="0"/>
-                <a:cs typeface="Consolas" pitchFamily="49" charset="0"/>
-              </a:rPr>
-              <a:t>Margin</a:t>
-            </a:r>
-            <a:r>
-              <a:rPr lang="en-US" sz="2000" b="1" dirty="0">
-                <a:solidFill>
-                  <a:srgbClr val="8CF4F2"/>
-                </a:solidFill>
-                <a:effectLst>
-                  <a:outerShdw blurRad="38100" dist="38100" dir="2700000" algn="tl">
-                    <a:srgbClr val="000000">
-                      <a:alpha val="43137"/>
-                    </a:srgbClr>
-                  </a:outerShdw>
-                </a:effectLst>
-                <a:latin typeface="Consolas" pitchFamily="49" charset="0"/>
-                <a:cs typeface="Consolas" pitchFamily="49" charset="0"/>
-              </a:rPr>
-              <a:t>="</a:t>
-            </a:r>
-            <a:r>
-              <a:rPr lang="en-US" sz="2000" b="1" dirty="0" smtClean="0">
-                <a:solidFill>
-                  <a:srgbClr val="8CF4F2"/>
-                </a:solidFill>
-                <a:effectLst>
-                  <a:outerShdw blurRad="38100" dist="38100" dir="2700000" algn="tl">
-                    <a:srgbClr val="000000">
-                      <a:alpha val="43137"/>
-                    </a:srgbClr>
-                  </a:outerShdw>
-                </a:effectLst>
-                <a:latin typeface="Consolas" pitchFamily="49" charset="0"/>
-                <a:cs typeface="Consolas" pitchFamily="49" charset="0"/>
-              </a:rPr>
-              <a:t>5" </a:t>
+              <a:t>"</a:t>
             </a:r>
             <a:endParaRPr lang="en-US" sz="2000" b="1" dirty="0" smtClean="0">
               <a:solidFill>
@@ -12079,6 +12833,93 @@
             </a:endParaRPr>
           </a:p>
           <a:p>
+            <a:r>
+              <a:rPr lang="en-US" sz="2000" b="1" dirty="0" smtClean="0">
+                <a:solidFill>
+                  <a:srgbClr val="8CF4F2"/>
+                </a:solidFill>
+                <a:effectLst>
+                  <a:outerShdw blurRad="38100" dist="38100" dir="2700000" algn="tl">
+                    <a:srgbClr val="000000">
+                      <a:alpha val="43137"/>
+                    </a:srgbClr>
+                  </a:outerShdw>
+                </a:effectLst>
+                <a:latin typeface="Consolas" pitchFamily="49" charset="0"/>
+                <a:cs typeface="Consolas" pitchFamily="49" charset="0"/>
+              </a:rPr>
+              <a:t>           </a:t>
+            </a:r>
+            <a:r>
+              <a:rPr lang="en-US" sz="2000" b="1" dirty="0" err="1" smtClean="0">
+                <a:solidFill>
+                  <a:srgbClr val="8CF4F2"/>
+                </a:solidFill>
+                <a:effectLst>
+                  <a:outerShdw blurRad="38100" dist="38100" dir="2700000" algn="tl">
+                    <a:srgbClr val="000000">
+                      <a:alpha val="43137"/>
+                    </a:srgbClr>
+                  </a:outerShdw>
+                </a:effectLst>
+                <a:latin typeface="Consolas" pitchFamily="49" charset="0"/>
+                <a:cs typeface="Consolas" pitchFamily="49" charset="0"/>
+              </a:rPr>
+              <a:t>TextWrapping</a:t>
+            </a:r>
+            <a:r>
+              <a:rPr lang="en-US" sz="2000" b="1" dirty="0" smtClean="0">
+                <a:solidFill>
+                  <a:srgbClr val="8CF4F2"/>
+                </a:solidFill>
+                <a:effectLst>
+                  <a:outerShdw blurRad="38100" dist="38100" dir="2700000" algn="tl">
+                    <a:srgbClr val="000000">
+                      <a:alpha val="43137"/>
+                    </a:srgbClr>
+                  </a:outerShdw>
+                </a:effectLst>
+                <a:latin typeface="Consolas" pitchFamily="49" charset="0"/>
+                <a:cs typeface="Consolas" pitchFamily="49" charset="0"/>
+              </a:rPr>
+              <a:t>=</a:t>
+            </a:r>
+            <a:r>
+              <a:rPr lang="en-US" sz="2000" b="1" dirty="0">
+                <a:solidFill>
+                  <a:srgbClr val="8CF4F2"/>
+                </a:solidFill>
+                <a:effectLst>
+                  <a:outerShdw blurRad="38100" dist="38100" dir="2700000" algn="tl">
+                    <a:srgbClr val="000000">
+                      <a:alpha val="43137"/>
+                    </a:srgbClr>
+                  </a:outerShdw>
+                </a:effectLst>
+                <a:latin typeface="Consolas" pitchFamily="49" charset="0"/>
+                <a:cs typeface="Consolas" pitchFamily="49" charset="0"/>
+              </a:rPr>
+              <a:t>"</a:t>
+            </a:r>
+            <a:r>
+              <a:rPr lang="en-US" sz="2000" b="1" dirty="0" smtClean="0">
+                <a:solidFill>
+                  <a:srgbClr val="8CF4F2"/>
+                </a:solidFill>
+                <a:effectLst>
+                  <a:outerShdw blurRad="38100" dist="38100" dir="2700000" algn="tl">
+                    <a:srgbClr val="000000">
+                      <a:alpha val="43137"/>
+                    </a:srgbClr>
+                  </a:outerShdw>
+                </a:effectLst>
+                <a:latin typeface="Consolas" pitchFamily="49" charset="0"/>
+                <a:cs typeface="Consolas" pitchFamily="49" charset="0"/>
+              </a:rPr>
+              <a:t>Wrap"</a:t>
+            </a:r>
+          </a:p>
+          <a:p>
             <a:pPr eaLnBrk="0" hangingPunct="0">
               <a:buClr>
                 <a:schemeClr val="accent5">
@@ -12090,7 +12931,7 @@
               <a:defRPr/>
             </a:pPr>
             <a:r>
-              <a:rPr lang="en-US" sz="2000" b="1" dirty="0">
+              <a:rPr lang="en-US" sz="2000" b="1" dirty="0" smtClean="0">
                 <a:solidFill>
                   <a:srgbClr val="8CF4F2"/>
                 </a:solidFill>
@@ -12104,10 +12945,10 @@
                 <a:latin typeface="Consolas" pitchFamily="49" charset="0"/>
                 <a:cs typeface="Consolas" pitchFamily="49" charset="0"/>
               </a:rPr>
-              <a:t> </a:t>
-            </a:r>
-            <a:r>
-              <a:rPr lang="en-US" sz="2000" b="1" dirty="0" smtClean="0">
+              <a:t>           Text="I am a </a:t>
+            </a:r>
+            <a:r>
+              <a:rPr lang="en-US" sz="2000" b="1" dirty="0" err="1">
                 <a:solidFill>
                   <a:srgbClr val="8CF4F2"/>
                 </a:solidFill>
@@ -12121,10 +12962,10 @@
                 <a:latin typeface="Consolas" pitchFamily="49" charset="0"/>
                 <a:cs typeface="Consolas" pitchFamily="49" charset="0"/>
               </a:rPr>
-              <a:t> Height</a:t>
-            </a:r>
-            <a:r>
-              <a:rPr lang="en-US" sz="2000" b="1" dirty="0">
+              <a:t>T</a:t>
+            </a:r>
+            <a:r>
+              <a:rPr lang="en-US" sz="2000" b="1" dirty="0" err="1" smtClean="0">
                 <a:solidFill>
                   <a:srgbClr val="8CF4F2"/>
                 </a:solidFill>
@@ -12138,7 +12979,7 @@
                 <a:latin typeface="Consolas" pitchFamily="49" charset="0"/>
                 <a:cs typeface="Consolas" pitchFamily="49" charset="0"/>
               </a:rPr>
-              <a:t>="</a:t>
+              <a:t>extBlock</a:t>
             </a:r>
             <a:r>
               <a:rPr lang="en-US" sz="2000" b="1" dirty="0" smtClean="0">
@@ -12155,215 +12996,7 @@
                 <a:latin typeface="Consolas" pitchFamily="49" charset="0"/>
                 <a:cs typeface="Consolas" pitchFamily="49" charset="0"/>
               </a:rPr>
-              <a:t>120" </a:t>
-            </a:r>
-            <a:r>
-              <a:rPr lang="en-US" sz="2000" b="1" dirty="0" err="1" smtClean="0">
-                <a:solidFill>
-                  <a:srgbClr val="8CF4F2"/>
-                </a:solidFill>
-                <a:effectLst>
-                  <a:outerShdw blurRad="38100" dist="38100" dir="2700000" algn="tl">
-                    <a:srgbClr val="000000">
-                      <a:alpha val="43137"/>
-                    </a:srgbClr>
-                  </a:outerShdw>
-                </a:effectLst>
-                <a:latin typeface="Consolas" pitchFamily="49" charset="0"/>
-                <a:cs typeface="Consolas" pitchFamily="49" charset="0"/>
-              </a:rPr>
-              <a:t>AcceptsReturn</a:t>
-            </a:r>
-            <a:r>
-              <a:rPr lang="en-US" sz="2000" b="1" dirty="0">
-                <a:solidFill>
-                  <a:srgbClr val="8CF4F2"/>
-                </a:solidFill>
-                <a:effectLst>
-                  <a:outerShdw blurRad="38100" dist="38100" dir="2700000" algn="tl">
-                    <a:srgbClr val="000000">
-                      <a:alpha val="43137"/>
-                    </a:srgbClr>
-                  </a:outerShdw>
-                </a:effectLst>
-                <a:latin typeface="Consolas" pitchFamily="49" charset="0"/>
-                <a:cs typeface="Consolas" pitchFamily="49" charset="0"/>
-              </a:rPr>
-              <a:t>="</a:t>
-            </a:r>
-            <a:r>
-              <a:rPr lang="en-US" sz="2000" b="1" dirty="0" smtClean="0">
-                <a:solidFill>
-                  <a:srgbClr val="8CF4F2"/>
-                </a:solidFill>
-                <a:effectLst>
-                  <a:outerShdw blurRad="38100" dist="38100" dir="2700000" algn="tl">
-                    <a:srgbClr val="000000">
-                      <a:alpha val="43137"/>
-                    </a:srgbClr>
-                  </a:outerShdw>
-                </a:effectLst>
-                <a:latin typeface="Consolas" pitchFamily="49" charset="0"/>
-                <a:cs typeface="Consolas" pitchFamily="49" charset="0"/>
-              </a:rPr>
-              <a:t>True"</a:t>
-            </a:r>
-            <a:endParaRPr lang="en-US" sz="2000" b="1" dirty="0" smtClean="0">
-              <a:solidFill>
-                <a:srgbClr val="8CF4F2"/>
-              </a:solidFill>
-              <a:effectLst>
-                <a:outerShdw blurRad="38100" dist="38100" dir="2700000" algn="tl">
-                  <a:srgbClr val="000000">
-                    <a:alpha val="43137"/>
-                  </a:srgbClr>
-                </a:outerShdw>
-              </a:effectLst>
-              <a:latin typeface="Consolas" pitchFamily="49" charset="0"/>
-              <a:cs typeface="Consolas" pitchFamily="49" charset="0"/>
-            </a:endParaRPr>
-          </a:p>
-          <a:p>
-            <a:pPr eaLnBrk="0" hangingPunct="0">
-              <a:buClr>
-                <a:schemeClr val="accent5">
-                  <a:lumMod val="40000"/>
-                  <a:lumOff val="60000"/>
-                </a:schemeClr>
-              </a:buClr>
-              <a:buSzPct val="70000"/>
-              <a:defRPr/>
-            </a:pPr>
-            <a:r>
-              <a:rPr lang="en-US" sz="2000" b="1" dirty="0">
-                <a:solidFill>
-                  <a:srgbClr val="8CF4F2"/>
-                </a:solidFill>
-                <a:effectLst>
-                  <a:outerShdw blurRad="38100" dist="38100" dir="2700000" algn="tl">
-                    <a:srgbClr val="000000">
-                      <a:alpha val="43137"/>
-                    </a:srgbClr>
-                  </a:outerShdw>
-                </a:effectLst>
-                <a:latin typeface="Consolas" pitchFamily="49" charset="0"/>
-                <a:cs typeface="Consolas" pitchFamily="49" charset="0"/>
-              </a:rPr>
-              <a:t> </a:t>
-            </a:r>
-            <a:r>
-              <a:rPr lang="en-US" sz="2000" b="1" dirty="0" smtClean="0">
-                <a:solidFill>
-                  <a:srgbClr val="8CF4F2"/>
-                </a:solidFill>
-                <a:effectLst>
-                  <a:outerShdw blurRad="38100" dist="38100" dir="2700000" algn="tl">
-                    <a:srgbClr val="000000">
-                      <a:alpha val="43137"/>
-                    </a:srgbClr>
-                  </a:outerShdw>
-                </a:effectLst>
-                <a:latin typeface="Consolas" pitchFamily="49" charset="0"/>
-                <a:cs typeface="Consolas" pitchFamily="49" charset="0"/>
-              </a:rPr>
-              <a:t> </a:t>
-            </a:r>
-            <a:r>
-              <a:rPr lang="en-US" sz="2000" b="1" dirty="0" err="1" smtClean="0">
-                <a:solidFill>
-                  <a:srgbClr val="8CF4F2"/>
-                </a:solidFill>
-                <a:effectLst>
-                  <a:outerShdw blurRad="38100" dist="38100" dir="2700000" algn="tl">
-                    <a:srgbClr val="000000">
-                      <a:alpha val="43137"/>
-                    </a:srgbClr>
-                  </a:outerShdw>
-                </a:effectLst>
-                <a:latin typeface="Consolas" pitchFamily="49" charset="0"/>
-                <a:cs typeface="Consolas" pitchFamily="49" charset="0"/>
-              </a:rPr>
-              <a:t>ScrollViewer.VerticalScrollBarVisibility</a:t>
-            </a:r>
-            <a:r>
-              <a:rPr lang="en-US" sz="2000" b="1" dirty="0">
-                <a:solidFill>
-                  <a:srgbClr val="8CF4F2"/>
-                </a:solidFill>
-                <a:effectLst>
-                  <a:outerShdw blurRad="38100" dist="38100" dir="2700000" algn="tl">
-                    <a:srgbClr val="000000">
-                      <a:alpha val="43137"/>
-                    </a:srgbClr>
-                  </a:outerShdw>
-                </a:effectLst>
-                <a:latin typeface="Consolas" pitchFamily="49" charset="0"/>
-                <a:cs typeface="Consolas" pitchFamily="49" charset="0"/>
-              </a:rPr>
-              <a:t>="Visible"</a:t>
-            </a:r>
-          </a:p>
-          <a:p>
-            <a:pPr eaLnBrk="0" hangingPunct="0">
-              <a:buClr>
-                <a:schemeClr val="accent5">
-                  <a:lumMod val="40000"/>
-                  <a:lumOff val="60000"/>
-                </a:schemeClr>
-              </a:buClr>
-              <a:buSzPct val="70000"/>
-              <a:defRPr/>
-            </a:pPr>
-            <a:r>
-              <a:rPr lang="en-US" sz="2000" b="1" dirty="0" smtClean="0">
-                <a:solidFill>
-                  <a:srgbClr val="8CF4F2"/>
-                </a:solidFill>
-                <a:effectLst>
-                  <a:outerShdw blurRad="38100" dist="38100" dir="2700000" algn="tl">
-                    <a:srgbClr val="000000">
-                      <a:alpha val="43137"/>
-                    </a:srgbClr>
-                  </a:outerShdw>
-                </a:effectLst>
-                <a:latin typeface="Consolas" pitchFamily="49" charset="0"/>
-                <a:cs typeface="Consolas" pitchFamily="49" charset="0"/>
-              </a:rPr>
-              <a:t>  Text</a:t>
-            </a:r>
-            <a:r>
-              <a:rPr lang="en-US" sz="2000" b="1" dirty="0">
-                <a:solidFill>
-                  <a:srgbClr val="8CF4F2"/>
-                </a:solidFill>
-                <a:effectLst>
-                  <a:outerShdw blurRad="38100" dist="38100" dir="2700000" algn="tl">
-                    <a:srgbClr val="000000">
-                      <a:alpha val="43137"/>
-                    </a:srgbClr>
-                  </a:outerShdw>
-                </a:effectLst>
-                <a:latin typeface="Consolas" pitchFamily="49" charset="0"/>
-                <a:cs typeface="Consolas" pitchFamily="49" charset="0"/>
-              </a:rPr>
-              <a:t>="Multiline textbox" </a:t>
-            </a:r>
-            <a:r>
-              <a:rPr lang="en-US" sz="2000" b="1" dirty="0" smtClean="0">
-                <a:solidFill>
-                  <a:srgbClr val="8CF4F2"/>
-                </a:solidFill>
-                <a:effectLst>
-                  <a:outerShdw blurRad="38100" dist="38100" dir="2700000" algn="tl">
-                    <a:srgbClr val="000000">
-                      <a:alpha val="43137"/>
-                    </a:srgbClr>
-                  </a:outerShdw>
-                </a:effectLst>
-                <a:latin typeface="Consolas" pitchFamily="49" charset="0"/>
-                <a:cs typeface="Consolas" pitchFamily="49" charset="0"/>
-              </a:rPr>
-              <a:t>/&gt;</a:t>
+              <a:t>" /&gt;</a:t>
             </a:r>
             <a:endParaRPr lang="en-US" sz="2000" b="1" noProof="1">
               <a:solidFill>
@@ -12384,7 +13017,7 @@
       </p:sp>
       <p:pic>
         <p:nvPicPr>
-          <p:cNvPr id="2" name="Picture 1"/>
+          <p:cNvPr id="3" name="Picture 2"/>
           <p:cNvPicPr>
             <a:picLocks noChangeAspect="1"/>
           </p:cNvPicPr>
@@ -12404,8 +13037,8 @@
         </p:blipFill>
         <p:spPr>
           <a:xfrm>
-            <a:off x="7104029" y="3494252"/>
-            <a:ext cx="1811371" cy="1073405"/>
+            <a:off x="6411384" y="3471830"/>
+            <a:ext cx="2348441" cy="1581937"/>
           </a:xfrm>
           <a:prstGeom prst="rect">
             <a:avLst/>
@@ -12415,7 +13048,7 @@
     </p:spTree>
     <p:extLst>
       <p:ext uri="{BB962C8B-B14F-4D97-AF65-F5344CB8AC3E}">
-        <p14:creationId xmlns:p14="http://schemas.microsoft.com/office/powerpoint/2010/main" val="626180655"/>
+        <p14:creationId xmlns:p14="http://schemas.microsoft.com/office/powerpoint/2010/main" val="29894992"/>
       </p:ext>
     </p:extLst>
   </p:cSld>
@@ -12470,13 +13103,8 @@
             </a:pPr>
             <a:r>
               <a:rPr lang="bg-BG" dirty="0" smtClean="0"/>
-              <a:t>TextB</a:t>
-            </a:r>
-            <a:r>
-              <a:rPr lang="en-US" dirty="0" smtClean="0"/>
-              <a:t>lock</a:t>
-            </a:r>
-            <a:endParaRPr lang="bg-BG" dirty="0" smtClean="0"/>
+              <a:t>TextBox</a:t>
+            </a:r>
           </a:p>
         </p:txBody>
       </p:sp>
@@ -12490,7 +13118,12 @@
             <p:ph idx="1"/>
           </p:nvPr>
         </p:nvSpPr>
-        <p:spPr/>
+        <p:spPr>
+          <a:xfrm>
+            <a:off x="228600" y="848034"/>
+            <a:ext cx="8686800" cy="5791200"/>
+          </a:xfrm>
+        </p:spPr>
         <p:txBody>
           <a:bodyPr/>
           <a:lstStyle/>
@@ -12511,17 +13144,11 @@
                 </a:solidFill>
                 <a:latin typeface="Consolas" pitchFamily="49" charset="0"/>
               </a:rPr>
-              <a:t>TextBlock</a:t>
+              <a:t>TextBox</a:t>
             </a:r>
             <a:r>
               <a:rPr lang="en-US" dirty="0" smtClean="0"/>
-              <a:t> </a:t>
-            </a:r>
-            <a:r>
-              <a:rPr lang="en-US" dirty="0" smtClean="0">
-                <a:effectLst/>
-              </a:rPr>
-              <a:t>a lightweight control for displaying small amounts of text</a:t>
+              <a:t> a control that can be used to display single-format, multi-line text</a:t>
             </a:r>
           </a:p>
           <a:p>
@@ -12532,20 +13159,25 @@
               <a:defRPr/>
             </a:pPr>
             <a:r>
-              <a:rPr lang="en-US" sz="2800" dirty="0" smtClean="0">
-                <a:effectLst/>
+              <a:rPr lang="en-US" sz="2400" dirty="0" smtClean="0"/>
+              <a:t>By setting </a:t>
+            </a:r>
+            <a:r>
+              <a:rPr lang="en-US" sz="2400" noProof="1" smtClean="0">
+                <a:solidFill>
+                  <a:schemeClr val="accent5">
+                    <a:lumMod val="20000"/>
+                    <a:lumOff val="80000"/>
+                  </a:schemeClr>
+                </a:solidFill>
+                <a:latin typeface="Consolas" pitchFamily="49" charset="0"/>
               </a:rPr>
-              <a:t>Name - </a:t>
-            </a:r>
-            <a:r>
-              <a:rPr lang="en-US" sz="2800" dirty="0">
-                <a:effectLst/>
-              </a:rPr>
-              <a:t>identifying name of the object</a:t>
-            </a:r>
-            <a:endParaRPr lang="en-US" sz="2800" dirty="0" smtClean="0">
-              <a:effectLst/>
-            </a:endParaRPr>
+              <a:t>AcceptsReturn</a:t>
+            </a:r>
+            <a:r>
+              <a:rPr lang="en-US" sz="2400" dirty="0" smtClean="0"/>
+              <a:t> to true, it can edit multiple lines</a:t>
+            </a:r>
           </a:p>
           <a:p>
             <a:pPr lvl="1">
@@ -12555,10 +13187,21 @@
               <a:defRPr/>
             </a:pPr>
             <a:r>
-              <a:rPr lang="en-US" sz="2800" dirty="0" err="1" smtClean="0"/>
-              <a:t>TextWrapping</a:t>
-            </a:r>
-            <a:endParaRPr lang="en-US" sz="2800" dirty="0" smtClean="0"/>
+              <a:rPr lang="en-US" sz="2400" dirty="0" err="1" smtClean="0">
+                <a:solidFill>
+                  <a:schemeClr val="accent5">
+                    <a:lumMod val="20000"/>
+                    <a:lumOff val="80000"/>
+                  </a:schemeClr>
+                </a:solidFill>
+                <a:latin typeface="Consolas" pitchFamily="49" charset="0"/>
+              </a:rPr>
+              <a:t>ScrollViewer.VerticalScrollBarVisibility</a:t>
+            </a:r>
+            <a:r>
+              <a:rPr lang="en-US" sz="2400" dirty="0" smtClean="0"/>
+              <a:t> – attached property that gets/sets scrollbar visibility</a:t>
+            </a:r>
           </a:p>
           <a:p>
             <a:pPr lvl="1">
@@ -12567,7 +13210,59 @@
               </a:lnSpc>
               <a:defRPr/>
             </a:pPr>
-            <a:endParaRPr lang="en-US" dirty="0" smtClean="0"/>
+            <a:endParaRPr lang="en-US" sz="2400" dirty="0"/>
+          </a:p>
+          <a:p>
+            <a:pPr lvl="1">
+              <a:lnSpc>
+                <a:spcPct val="100000"/>
+              </a:lnSpc>
+              <a:defRPr/>
+            </a:pPr>
+            <a:endParaRPr lang="en-US" sz="2400" dirty="0" smtClean="0"/>
+          </a:p>
+          <a:p>
+            <a:pPr lvl="1">
+              <a:lnSpc>
+                <a:spcPct val="100000"/>
+              </a:lnSpc>
+              <a:defRPr/>
+            </a:pPr>
+            <a:endParaRPr lang="en-US" sz="2400" dirty="0"/>
+          </a:p>
+          <a:p>
+            <a:pPr lvl="1">
+              <a:lnSpc>
+                <a:spcPct val="100000"/>
+              </a:lnSpc>
+              <a:defRPr/>
+            </a:pPr>
+            <a:endParaRPr lang="en-US" sz="2400" dirty="0" smtClean="0"/>
+          </a:p>
+          <a:p>
+            <a:r>
+              <a:rPr lang="en-US" dirty="0" err="1">
+                <a:solidFill>
+                  <a:schemeClr val="accent5">
+                    <a:lumMod val="20000"/>
+                    <a:lumOff val="80000"/>
+                  </a:schemeClr>
+                </a:solidFill>
+                <a:latin typeface="Consolas" pitchFamily="49" charset="0"/>
+              </a:rPr>
+              <a:t>PasswordBox</a:t>
+            </a:r>
+            <a:r>
+              <a:rPr lang="en-US" dirty="0" smtClean="0"/>
+              <a:t> </a:t>
+            </a:r>
+          </a:p>
+          <a:p>
+            <a:pPr lvl="1"/>
+            <a:r>
+              <a:rPr lang="en-US" sz="2800" dirty="0"/>
+              <a:t>The users sees only the "*" symbol</a:t>
+            </a:r>
           </a:p>
         </p:txBody>
       </p:sp>
@@ -12610,8 +13305,8 @@
         </p:nvSpPr>
         <p:spPr bwMode="auto">
           <a:xfrm>
-            <a:off x="539750" y="3581250"/>
-            <a:ext cx="8064500" cy="2246769"/>
+            <a:off x="546100" y="3383410"/>
+            <a:ext cx="8064500" cy="1938992"/>
           </a:xfrm>
           <a:prstGeom prst="rect">
             <a:avLst/>
@@ -12639,6 +13334,12 @@
           <a:lstStyle/>
           <a:p>
             <a:pPr eaLnBrk="0" hangingPunct="0">
+              <a:lnSpc>
+                <a:spcPct val="100000"/>
+              </a:lnSpc>
+              <a:spcBef>
+                <a:spcPts val="0"/>
+              </a:spcBef>
               <a:buClr>
                 <a:schemeClr val="accent5">
                   <a:lumMod val="40000"/>
@@ -12649,7 +13350,7 @@
               <a:defRPr/>
             </a:pPr>
             <a:r>
-              <a:rPr lang="en-US" sz="2000" b="1" dirty="0">
+              <a:rPr lang="bg-BG" sz="2000" b="1" noProof="1" smtClean="0">
                 <a:solidFill>
                   <a:srgbClr val="8CF4F2"/>
                 </a:solidFill>
@@ -12663,378 +13364,9 @@
                 <a:latin typeface="Consolas" pitchFamily="49" charset="0"/>
                 <a:cs typeface="Consolas" pitchFamily="49" charset="0"/>
               </a:rPr>
-              <a:t>&lt;</a:t>
-            </a:r>
-            <a:r>
-              <a:rPr lang="en-US" sz="2000" b="1" dirty="0" err="1" smtClean="0">
-                <a:solidFill>
-                  <a:srgbClr val="8CF4F2"/>
-                </a:solidFill>
-                <a:effectLst>
-                  <a:outerShdw blurRad="38100" dist="38100" dir="2700000" algn="tl">
-                    <a:srgbClr val="000000">
-                      <a:alpha val="43137"/>
-                    </a:srgbClr>
-                  </a:outerShdw>
-                </a:effectLst>
-                <a:latin typeface="Consolas" pitchFamily="49" charset="0"/>
-                <a:cs typeface="Consolas" pitchFamily="49" charset="0"/>
-              </a:rPr>
-              <a:t>TextBlock</a:t>
-            </a:r>
-            <a:r>
-              <a:rPr lang="en-US" sz="2000" b="1" dirty="0">
-                <a:solidFill>
-                  <a:srgbClr val="8CF4F2"/>
-                </a:solidFill>
-                <a:effectLst>
-                  <a:outerShdw blurRad="38100" dist="38100" dir="2700000" algn="tl">
-                    <a:srgbClr val="000000">
-                      <a:alpha val="43137"/>
-                    </a:srgbClr>
-                  </a:outerShdw>
-                </a:effectLst>
-                <a:latin typeface="Consolas" pitchFamily="49" charset="0"/>
-                <a:cs typeface="Consolas" pitchFamily="49" charset="0"/>
-              </a:rPr>
-              <a:t> Name="</a:t>
-            </a:r>
-            <a:r>
-              <a:rPr lang="en-US" sz="2000" b="1" dirty="0" err="1">
-                <a:solidFill>
-                  <a:srgbClr val="8CF4F2"/>
-                </a:solidFill>
-                <a:effectLst>
-                  <a:outerShdw blurRad="38100" dist="38100" dir="2700000" algn="tl">
-                    <a:srgbClr val="000000">
-                      <a:alpha val="43137"/>
-                    </a:srgbClr>
-                  </a:outerShdw>
-                </a:effectLst>
-                <a:latin typeface="Consolas" pitchFamily="49" charset="0"/>
-                <a:cs typeface="Consolas" pitchFamily="49" charset="0"/>
-              </a:rPr>
-              <a:t>TextBlock</a:t>
-            </a:r>
-            <a:r>
-              <a:rPr lang="en-US" sz="2000" b="1" dirty="0">
-                <a:solidFill>
-                  <a:srgbClr val="8CF4F2"/>
-                </a:solidFill>
-                <a:effectLst>
-                  <a:outerShdw blurRad="38100" dist="38100" dir="2700000" algn="tl">
-                    <a:srgbClr val="000000">
-                      <a:alpha val="43137"/>
-                    </a:srgbClr>
-                  </a:outerShdw>
-                </a:effectLst>
-                <a:latin typeface="Consolas" pitchFamily="49" charset="0"/>
-                <a:cs typeface="Consolas" pitchFamily="49" charset="0"/>
-              </a:rPr>
-              <a:t>"</a:t>
-            </a:r>
-          </a:p>
-          <a:p>
-            <a:pPr eaLnBrk="0" hangingPunct="0">
-              <a:buClr>
-                <a:schemeClr val="accent5">
-                  <a:lumMod val="40000"/>
-                  <a:lumOff val="60000"/>
-                </a:schemeClr>
-              </a:buClr>
-              <a:buSzPct val="70000"/>
-              <a:defRPr/>
-            </a:pPr>
-            <a:r>
-              <a:rPr lang="en-US" sz="2000" b="1" dirty="0" smtClean="0">
-                <a:solidFill>
-                  <a:srgbClr val="8CF4F2"/>
-                </a:solidFill>
-                <a:effectLst>
-                  <a:outerShdw blurRad="38100" dist="38100" dir="2700000" algn="tl">
-                    <a:srgbClr val="000000">
-                      <a:alpha val="43137"/>
-                    </a:srgbClr>
-                  </a:outerShdw>
-                </a:effectLst>
-                <a:latin typeface="Consolas" pitchFamily="49" charset="0"/>
-                <a:cs typeface="Consolas" pitchFamily="49" charset="0"/>
-              </a:rPr>
-              <a:t>           </a:t>
-            </a:r>
-            <a:r>
-              <a:rPr lang="en-US" sz="2000" b="1" dirty="0" err="1" smtClean="0">
-                <a:solidFill>
-                  <a:srgbClr val="8CF4F2"/>
-                </a:solidFill>
-                <a:effectLst>
-                  <a:outerShdw blurRad="38100" dist="38100" dir="2700000" algn="tl">
-                    <a:srgbClr val="000000">
-                      <a:alpha val="43137"/>
-                    </a:srgbClr>
-                  </a:outerShdw>
-                </a:effectLst>
-                <a:latin typeface="Consolas" pitchFamily="49" charset="0"/>
-                <a:cs typeface="Consolas" pitchFamily="49" charset="0"/>
-              </a:rPr>
-              <a:t>VerticalAlignment</a:t>
-            </a:r>
-            <a:r>
-              <a:rPr lang="en-US" sz="2000" b="1" dirty="0">
-                <a:solidFill>
-                  <a:srgbClr val="8CF4F2"/>
-                </a:solidFill>
-                <a:effectLst>
-                  <a:outerShdw blurRad="38100" dist="38100" dir="2700000" algn="tl">
-                    <a:srgbClr val="000000">
-                      <a:alpha val="43137"/>
-                    </a:srgbClr>
-                  </a:outerShdw>
-                </a:effectLst>
-                <a:latin typeface="Consolas" pitchFamily="49" charset="0"/>
-                <a:cs typeface="Consolas" pitchFamily="49" charset="0"/>
-              </a:rPr>
-              <a:t>="</a:t>
-            </a:r>
-            <a:r>
-              <a:rPr lang="en-US" sz="2000" b="1" dirty="0" smtClean="0">
-                <a:solidFill>
-                  <a:srgbClr val="8CF4F2"/>
-                </a:solidFill>
-                <a:effectLst>
-                  <a:outerShdw blurRad="38100" dist="38100" dir="2700000" algn="tl">
-                    <a:srgbClr val="000000">
-                      <a:alpha val="43137"/>
-                    </a:srgbClr>
-                  </a:outerShdw>
-                </a:effectLst>
-                <a:latin typeface="Consolas" pitchFamily="49" charset="0"/>
-                <a:cs typeface="Consolas" pitchFamily="49" charset="0"/>
-              </a:rPr>
-              <a:t>Center"</a:t>
-            </a:r>
-          </a:p>
-          <a:p>
-            <a:pPr lvl="1" eaLnBrk="0" hangingPunct="0">
-              <a:buClr>
-                <a:schemeClr val="accent5">
-                  <a:lumMod val="40000"/>
-                  <a:lumOff val="60000"/>
-                </a:schemeClr>
-              </a:buClr>
-              <a:buSzPct val="70000"/>
-              <a:defRPr/>
-            </a:pPr>
-            <a:r>
-              <a:rPr lang="en-US" sz="2000" b="1" dirty="0">
-                <a:solidFill>
-                  <a:srgbClr val="8CF4F2"/>
-                </a:solidFill>
-                <a:effectLst>
-                  <a:outerShdw blurRad="38100" dist="38100" dir="2700000" algn="tl">
-                    <a:srgbClr val="000000">
-                      <a:alpha val="43137"/>
-                    </a:srgbClr>
-                  </a:outerShdw>
-                </a:effectLst>
-                <a:latin typeface="Consolas" pitchFamily="49" charset="0"/>
-                <a:cs typeface="Consolas" pitchFamily="49" charset="0"/>
-              </a:rPr>
-              <a:t>        </a:t>
-            </a:r>
-            <a:r>
-              <a:rPr lang="en-US" sz="2000" b="1" dirty="0" err="1" smtClean="0">
-                <a:solidFill>
-                  <a:srgbClr val="8CF4F2"/>
-                </a:solidFill>
-                <a:effectLst>
-                  <a:outerShdw blurRad="38100" dist="38100" dir="2700000" algn="tl">
-                    <a:srgbClr val="000000">
-                      <a:alpha val="43137"/>
-                    </a:srgbClr>
-                  </a:outerShdw>
-                </a:effectLst>
-                <a:latin typeface="Consolas" pitchFamily="49" charset="0"/>
-                <a:cs typeface="Consolas" pitchFamily="49" charset="0"/>
-              </a:rPr>
-              <a:t>HorizontalAlignment</a:t>
-            </a:r>
-            <a:r>
-              <a:rPr lang="en-US" sz="2000" b="1" dirty="0" smtClean="0">
-                <a:solidFill>
-                  <a:srgbClr val="8CF4F2"/>
-                </a:solidFill>
-                <a:effectLst>
-                  <a:outerShdw blurRad="38100" dist="38100" dir="2700000" algn="tl">
-                    <a:srgbClr val="000000">
-                      <a:alpha val="43137"/>
-                    </a:srgbClr>
-                  </a:outerShdw>
-                </a:effectLst>
-                <a:latin typeface="Consolas" pitchFamily="49" charset="0"/>
-                <a:cs typeface="Consolas" pitchFamily="49" charset="0"/>
-              </a:rPr>
-              <a:t>="Center"</a:t>
-            </a:r>
-          </a:p>
-          <a:p>
-            <a:r>
-              <a:rPr lang="en-US" sz="2000" b="1" dirty="0" smtClean="0">
-                <a:solidFill>
-                  <a:srgbClr val="8CF4F2"/>
-                </a:solidFill>
-                <a:effectLst>
-                  <a:outerShdw blurRad="38100" dist="38100" dir="2700000" algn="tl">
-                    <a:srgbClr val="000000">
-                      <a:alpha val="43137"/>
-                    </a:srgbClr>
-                  </a:outerShdw>
-                </a:effectLst>
-                <a:latin typeface="Consolas" pitchFamily="49" charset="0"/>
-                <a:cs typeface="Consolas" pitchFamily="49" charset="0"/>
-              </a:rPr>
-              <a:t>           </a:t>
-            </a:r>
-            <a:r>
-              <a:rPr lang="en-US" sz="2000" b="1" dirty="0" err="1" smtClean="0">
-                <a:solidFill>
-                  <a:srgbClr val="8CF4F2"/>
-                </a:solidFill>
-                <a:effectLst>
-                  <a:outerShdw blurRad="38100" dist="38100" dir="2700000" algn="tl">
-                    <a:srgbClr val="000000">
-                      <a:alpha val="43137"/>
-                    </a:srgbClr>
-                  </a:outerShdw>
-                </a:effectLst>
-                <a:latin typeface="Consolas" pitchFamily="49" charset="0"/>
-                <a:cs typeface="Consolas" pitchFamily="49" charset="0"/>
-              </a:rPr>
-              <a:t>FontSize</a:t>
-            </a:r>
-            <a:r>
-              <a:rPr lang="en-US" sz="2000" b="1" dirty="0">
-                <a:solidFill>
-                  <a:srgbClr val="8CF4F2"/>
-                </a:solidFill>
-                <a:effectLst>
-                  <a:outerShdw blurRad="38100" dist="38100" dir="2700000" algn="tl">
-                    <a:srgbClr val="000000">
-                      <a:alpha val="43137"/>
-                    </a:srgbClr>
-                  </a:outerShdw>
-                </a:effectLst>
-                <a:latin typeface="Consolas" pitchFamily="49" charset="0"/>
-                <a:cs typeface="Consolas" pitchFamily="49" charset="0"/>
-              </a:rPr>
-              <a:t>="35</a:t>
-            </a:r>
-            <a:r>
-              <a:rPr lang="en-US" sz="2000" b="1" dirty="0" smtClean="0">
-                <a:solidFill>
-                  <a:srgbClr val="8CF4F2"/>
-                </a:solidFill>
-                <a:effectLst>
-                  <a:outerShdw blurRad="38100" dist="38100" dir="2700000" algn="tl">
-                    <a:srgbClr val="000000">
-                      <a:alpha val="43137"/>
-                    </a:srgbClr>
-                  </a:outerShdw>
-                </a:effectLst>
-                <a:latin typeface="Consolas" pitchFamily="49" charset="0"/>
-                <a:cs typeface="Consolas" pitchFamily="49" charset="0"/>
-              </a:rPr>
-              <a:t>"</a:t>
-            </a:r>
-            <a:endParaRPr lang="en-US" sz="2000" dirty="0"/>
-          </a:p>
-          <a:p>
-            <a:r>
-              <a:rPr lang="en-US" sz="2000" b="1" dirty="0">
-                <a:solidFill>
-                  <a:srgbClr val="8CF4F2"/>
-                </a:solidFill>
-                <a:effectLst>
-                  <a:outerShdw blurRad="38100" dist="38100" dir="2700000" algn="tl">
-                    <a:srgbClr val="000000">
-                      <a:alpha val="43137"/>
-                    </a:srgbClr>
-                  </a:outerShdw>
-                </a:effectLst>
-                <a:latin typeface="Consolas" pitchFamily="49" charset="0"/>
-                <a:cs typeface="Consolas" pitchFamily="49" charset="0"/>
-              </a:rPr>
-              <a:t> </a:t>
-            </a:r>
-            <a:r>
-              <a:rPr lang="en-US" sz="2000" b="1" dirty="0" smtClean="0">
-                <a:solidFill>
-                  <a:srgbClr val="8CF4F2"/>
-                </a:solidFill>
-                <a:effectLst>
-                  <a:outerShdw blurRad="38100" dist="38100" dir="2700000" algn="tl">
-                    <a:srgbClr val="000000">
-                      <a:alpha val="43137"/>
-                    </a:srgbClr>
-                  </a:outerShdw>
-                </a:effectLst>
-                <a:latin typeface="Consolas" pitchFamily="49" charset="0"/>
-                <a:cs typeface="Consolas" pitchFamily="49" charset="0"/>
-              </a:rPr>
-              <a:t>          </a:t>
-            </a:r>
-            <a:r>
-              <a:rPr lang="en-US" sz="2000" b="1" dirty="0" err="1" smtClean="0">
-                <a:solidFill>
-                  <a:srgbClr val="8CF4F2"/>
-                </a:solidFill>
-                <a:effectLst>
-                  <a:outerShdw blurRad="38100" dist="38100" dir="2700000" algn="tl">
-                    <a:srgbClr val="000000">
-                      <a:alpha val="43137"/>
-                    </a:srgbClr>
-                  </a:outerShdw>
-                </a:effectLst>
-                <a:latin typeface="Consolas" pitchFamily="49" charset="0"/>
-                <a:cs typeface="Consolas" pitchFamily="49" charset="0"/>
-              </a:rPr>
-              <a:t>FontWeight</a:t>
-            </a:r>
-            <a:r>
-              <a:rPr lang="en-US" sz="2000" b="1" dirty="0" smtClean="0">
-                <a:solidFill>
-                  <a:srgbClr val="8CF4F2"/>
-                </a:solidFill>
-                <a:effectLst>
-                  <a:outerShdw blurRad="38100" dist="38100" dir="2700000" algn="tl">
-                    <a:srgbClr val="000000">
-                      <a:alpha val="43137"/>
-                    </a:srgbClr>
-                  </a:outerShdw>
-                </a:effectLst>
-                <a:latin typeface="Consolas" pitchFamily="49" charset="0"/>
-                <a:cs typeface="Consolas" pitchFamily="49" charset="0"/>
-              </a:rPr>
-              <a:t>="Bold</a:t>
-            </a:r>
-            <a:r>
-              <a:rPr lang="en-US" sz="2000" b="1" dirty="0">
-                <a:solidFill>
-                  <a:srgbClr val="8CF4F2"/>
-                </a:solidFill>
-                <a:effectLst>
-                  <a:outerShdw blurRad="38100" dist="38100" dir="2700000" algn="tl">
-                    <a:srgbClr val="000000">
-                      <a:alpha val="43137"/>
-                    </a:srgbClr>
-                  </a:outerShdw>
-                </a:effectLst>
-                <a:latin typeface="Consolas" pitchFamily="49" charset="0"/>
-                <a:cs typeface="Consolas" pitchFamily="49" charset="0"/>
-              </a:rPr>
-              <a:t>"</a:t>
-            </a:r>
-            <a:endParaRPr lang="en-US" sz="2000" b="1" dirty="0" smtClean="0">
+              <a:t>&lt;TextBox Margin="5" VerticalAlignment="Center"</a:t>
+            </a:r>
+            <a:endParaRPr lang="en-US" sz="2000" b="1" noProof="1" smtClean="0">
               <a:solidFill>
                 <a:srgbClr val="8CF4F2"/>
               </a:solidFill>
@@ -13050,8 +13382,24 @@
             </a:endParaRPr>
           </a:p>
           <a:p>
-            <a:r>
-              <a:rPr lang="en-US" sz="2000" b="1" dirty="0" smtClean="0">
+            <a:pPr eaLnBrk="0" hangingPunct="0">
+              <a:lnSpc>
+                <a:spcPct val="100000"/>
+              </a:lnSpc>
+              <a:spcBef>
+                <a:spcPts val="0"/>
+              </a:spcBef>
+              <a:buClr>
+                <a:schemeClr val="accent5">
+                  <a:lumMod val="40000"/>
+                  <a:lumOff val="60000"/>
+                </a:schemeClr>
+              </a:buClr>
+              <a:buSzPct val="70000"/>
+              <a:defRPr/>
+            </a:pPr>
+            <a:r>
+              <a:rPr lang="en-US" sz="2000" b="1" noProof="1">
                 <a:solidFill>
                   <a:srgbClr val="8CF4F2"/>
                 </a:solidFill>
@@ -13065,10 +13413,10 @@
                 <a:latin typeface="Consolas" pitchFamily="49" charset="0"/>
                 <a:cs typeface="Consolas" pitchFamily="49" charset="0"/>
               </a:rPr>
-              <a:t>           </a:t>
-            </a:r>
-            <a:r>
-              <a:rPr lang="en-US" sz="2000" b="1" dirty="0" err="1" smtClean="0">
+              <a:t> </a:t>
+            </a:r>
+            <a:r>
+              <a:rPr lang="en-US" sz="2000" b="1" noProof="1" smtClean="0">
                 <a:solidFill>
                   <a:srgbClr val="8CF4F2"/>
                 </a:solidFill>
@@ -13082,10 +13430,10 @@
                 <a:latin typeface="Consolas" pitchFamily="49" charset="0"/>
                 <a:cs typeface="Consolas" pitchFamily="49" charset="0"/>
               </a:rPr>
-              <a:t>TextWrapping</a:t>
-            </a:r>
-            <a:r>
-              <a:rPr lang="en-US" sz="2000" b="1" dirty="0" smtClean="0">
+              <a:t> </a:t>
+            </a:r>
+            <a:r>
+              <a:rPr lang="bg-BG" sz="2000" b="1" noProof="1" smtClean="0">
                 <a:solidFill>
                   <a:srgbClr val="8CF4F2"/>
                 </a:solidFill>
@@ -13099,8 +13447,34 @@
                 <a:latin typeface="Consolas" pitchFamily="49" charset="0"/>
                 <a:cs typeface="Consolas" pitchFamily="49" charset="0"/>
               </a:rPr>
-              <a:t>=</a:t>
-            </a:r>
+              <a:t>Text="Single line textbox" /&gt;</a:t>
+            </a:r>
+            <a:endParaRPr lang="en-US" sz="2000" b="1" noProof="1" smtClean="0">
+              <a:solidFill>
+                <a:srgbClr val="8CF4F2"/>
+              </a:solidFill>
+              <a:effectLst>
+                <a:outerShdw blurRad="38100" dist="38100" dir="2700000" algn="tl">
+                  <a:srgbClr val="000000">
+                    <a:alpha val="43137"/>
+                  </a:srgbClr>
+                </a:outerShdw>
+              </a:effectLst>
+              <a:latin typeface="Consolas" pitchFamily="49" charset="0"/>
+              <a:cs typeface="Consolas" pitchFamily="49" charset="0"/>
+            </a:endParaRPr>
+          </a:p>
+          <a:p>
+            <a:pPr eaLnBrk="0" hangingPunct="0">
+              <a:buClr>
+                <a:schemeClr val="accent5">
+                  <a:lumMod val="40000"/>
+                  <a:lumOff val="60000"/>
+                </a:schemeClr>
+              </a:buClr>
+              <a:buSzPct val="70000"/>
+              <a:defRPr/>
+            </a:pPr>
             <a:r>
               <a:rPr lang="en-US" sz="2000" b="1" dirty="0">
                 <a:solidFill>
@@ -13116,10 +13490,10 @@
                 <a:latin typeface="Consolas" pitchFamily="49" charset="0"/>
                 <a:cs typeface="Consolas" pitchFamily="49" charset="0"/>
               </a:rPr>
-              <a:t>"</a:t>
-            </a:r>
-            <a:r>
-              <a:rPr lang="en-US" sz="2000" b="1" dirty="0" smtClean="0">
+              <a:t>&lt;</a:t>
+            </a:r>
+            <a:r>
+              <a:rPr lang="en-US" sz="2000" b="1" dirty="0" err="1">
                 <a:solidFill>
                   <a:srgbClr val="8CF4F2"/>
                 </a:solidFill>
@@ -13133,7 +13507,109 @@
                 <a:latin typeface="Consolas" pitchFamily="49" charset="0"/>
                 <a:cs typeface="Consolas" pitchFamily="49" charset="0"/>
               </a:rPr>
-              <a:t>Wrap"</a:t>
+              <a:t>TextBox</a:t>
+            </a:r>
+            <a:r>
+              <a:rPr lang="en-US" sz="2000" b="1" dirty="0">
+                <a:solidFill>
+                  <a:srgbClr val="8CF4F2"/>
+                </a:solidFill>
+                <a:effectLst>
+                  <a:outerShdw blurRad="38100" dist="38100" dir="2700000" algn="tl">
+                    <a:srgbClr val="000000">
+                      <a:alpha val="43137"/>
+                    </a:srgbClr>
+                  </a:outerShdw>
+                </a:effectLst>
+                <a:latin typeface="Consolas" pitchFamily="49" charset="0"/>
+                <a:cs typeface="Consolas" pitchFamily="49" charset="0"/>
+              </a:rPr>
+              <a:t> </a:t>
+            </a:r>
+            <a:r>
+              <a:rPr lang="en-US" sz="2000" b="1" dirty="0" err="1">
+                <a:solidFill>
+                  <a:srgbClr val="8CF4F2"/>
+                </a:solidFill>
+                <a:effectLst>
+                  <a:outerShdw blurRad="38100" dist="38100" dir="2700000" algn="tl">
+                    <a:srgbClr val="000000">
+                      <a:alpha val="43137"/>
+                    </a:srgbClr>
+                  </a:outerShdw>
+                </a:effectLst>
+                <a:latin typeface="Consolas" pitchFamily="49" charset="0"/>
+                <a:cs typeface="Consolas" pitchFamily="49" charset="0"/>
+              </a:rPr>
+              <a:t>VerticalAlignment</a:t>
+            </a:r>
+            <a:r>
+              <a:rPr lang="en-US" sz="2000" b="1" dirty="0">
+                <a:solidFill>
+                  <a:srgbClr val="8CF4F2"/>
+                </a:solidFill>
+                <a:effectLst>
+                  <a:outerShdw blurRad="38100" dist="38100" dir="2700000" algn="tl">
+                    <a:srgbClr val="000000">
+                      <a:alpha val="43137"/>
+                    </a:srgbClr>
+                  </a:outerShdw>
+                </a:effectLst>
+                <a:latin typeface="Consolas" pitchFamily="49" charset="0"/>
+                <a:cs typeface="Consolas" pitchFamily="49" charset="0"/>
+              </a:rPr>
+              <a:t>="</a:t>
+            </a:r>
+            <a:r>
+              <a:rPr lang="en-US" sz="2000" b="1" dirty="0" smtClean="0">
+                <a:solidFill>
+                  <a:srgbClr val="8CF4F2"/>
+                </a:solidFill>
+                <a:effectLst>
+                  <a:outerShdw blurRad="38100" dist="38100" dir="2700000" algn="tl">
+                    <a:srgbClr val="000000">
+                      <a:alpha val="43137"/>
+                    </a:srgbClr>
+                  </a:outerShdw>
+                </a:effectLst>
+                <a:latin typeface="Consolas" pitchFamily="49" charset="0"/>
+                <a:cs typeface="Consolas" pitchFamily="49" charset="0"/>
+              </a:rPr>
+              <a:t>Center" Margin</a:t>
+            </a:r>
+            <a:r>
+              <a:rPr lang="en-US" sz="2000" b="1" dirty="0">
+                <a:solidFill>
+                  <a:srgbClr val="8CF4F2"/>
+                </a:solidFill>
+                <a:effectLst>
+                  <a:outerShdw blurRad="38100" dist="38100" dir="2700000" algn="tl">
+                    <a:srgbClr val="000000">
+                      <a:alpha val="43137"/>
+                    </a:srgbClr>
+                  </a:outerShdw>
+                </a:effectLst>
+                <a:latin typeface="Consolas" pitchFamily="49" charset="0"/>
+                <a:cs typeface="Consolas" pitchFamily="49" charset="0"/>
+              </a:rPr>
+              <a:t>="</a:t>
+            </a:r>
+            <a:r>
+              <a:rPr lang="en-US" sz="2000" b="1" dirty="0" smtClean="0">
+                <a:solidFill>
+                  <a:srgbClr val="8CF4F2"/>
+                </a:solidFill>
+                <a:effectLst>
+                  <a:outerShdw blurRad="38100" dist="38100" dir="2700000" algn="tl">
+                    <a:srgbClr val="000000">
+                      <a:alpha val="43137"/>
+                    </a:srgbClr>
+                  </a:outerShdw>
+                </a:effectLst>
+                <a:latin typeface="Consolas" pitchFamily="49" charset="0"/>
+                <a:cs typeface="Consolas" pitchFamily="49" charset="0"/>
+              </a:rPr>
+              <a:t>5" </a:t>
             </a:r>
           </a:p>
           <a:p>
@@ -13148,7 +13624,7 @@
               <a:defRPr/>
             </a:pPr>
             <a:r>
-              <a:rPr lang="en-US" sz="2000" b="1" dirty="0" smtClean="0">
+              <a:rPr lang="en-US" sz="2000" b="1" dirty="0">
                 <a:solidFill>
                   <a:srgbClr val="8CF4F2"/>
                 </a:solidFill>
@@ -13162,10 +13638,10 @@
                 <a:latin typeface="Consolas" pitchFamily="49" charset="0"/>
                 <a:cs typeface="Consolas" pitchFamily="49" charset="0"/>
               </a:rPr>
-              <a:t>           Text="I am a </a:t>
-            </a:r>
-            <a:r>
-              <a:rPr lang="en-US" sz="2000" b="1" dirty="0" err="1">
+              <a:t> </a:t>
+            </a:r>
+            <a:r>
+              <a:rPr lang="en-US" sz="2000" b="1" dirty="0" smtClean="0">
                 <a:solidFill>
                   <a:srgbClr val="8CF4F2"/>
                 </a:solidFill>
@@ -13179,10 +13655,10 @@
                 <a:latin typeface="Consolas" pitchFamily="49" charset="0"/>
                 <a:cs typeface="Consolas" pitchFamily="49" charset="0"/>
               </a:rPr>
-              <a:t>T</a:t>
-            </a:r>
-            <a:r>
-              <a:rPr lang="en-US" sz="2000" b="1" dirty="0" err="1" smtClean="0">
+              <a:t> Height</a:t>
+            </a:r>
+            <a:r>
+              <a:rPr lang="en-US" sz="2000" b="1" dirty="0">
                 <a:solidFill>
                   <a:srgbClr val="8CF4F2"/>
                 </a:solidFill>
@@ -13196,7 +13672,7 @@
                 <a:latin typeface="Consolas" pitchFamily="49" charset="0"/>
                 <a:cs typeface="Consolas" pitchFamily="49" charset="0"/>
               </a:rPr>
-              <a:t>extBlock</a:t>
+              <a:t>="</a:t>
             </a:r>
             <a:r>
               <a:rPr lang="en-US" sz="2000" b="1" dirty="0" smtClean="0">
@@ -13213,7 +13689,201 @@
                 <a:latin typeface="Consolas" pitchFamily="49" charset="0"/>
                 <a:cs typeface="Consolas" pitchFamily="49" charset="0"/>
               </a:rPr>
-              <a:t>" /&gt;</a:t>
+              <a:t>120" </a:t>
+            </a:r>
+            <a:r>
+              <a:rPr lang="en-US" sz="2000" b="1" dirty="0" err="1" smtClean="0">
+                <a:solidFill>
+                  <a:srgbClr val="8CF4F2"/>
+                </a:solidFill>
+                <a:effectLst>
+                  <a:outerShdw blurRad="38100" dist="38100" dir="2700000" algn="tl">
+                    <a:srgbClr val="000000">
+                      <a:alpha val="43137"/>
+                    </a:srgbClr>
+                  </a:outerShdw>
+                </a:effectLst>
+                <a:latin typeface="Consolas" pitchFamily="49" charset="0"/>
+                <a:cs typeface="Consolas" pitchFamily="49" charset="0"/>
+              </a:rPr>
+              <a:t>AcceptsReturn</a:t>
+            </a:r>
+            <a:r>
+              <a:rPr lang="en-US" sz="2000" b="1" dirty="0">
+                <a:solidFill>
+                  <a:srgbClr val="8CF4F2"/>
+                </a:solidFill>
+                <a:effectLst>
+                  <a:outerShdw blurRad="38100" dist="38100" dir="2700000" algn="tl">
+                    <a:srgbClr val="000000">
+                      <a:alpha val="43137"/>
+                    </a:srgbClr>
+                  </a:outerShdw>
+                </a:effectLst>
+                <a:latin typeface="Consolas" pitchFamily="49" charset="0"/>
+                <a:cs typeface="Consolas" pitchFamily="49" charset="0"/>
+              </a:rPr>
+              <a:t>="</a:t>
+            </a:r>
+            <a:r>
+              <a:rPr lang="en-US" sz="2000" b="1" dirty="0" smtClean="0">
+                <a:solidFill>
+                  <a:srgbClr val="8CF4F2"/>
+                </a:solidFill>
+                <a:effectLst>
+                  <a:outerShdw blurRad="38100" dist="38100" dir="2700000" algn="tl">
+                    <a:srgbClr val="000000">
+                      <a:alpha val="43137"/>
+                    </a:srgbClr>
+                  </a:outerShdw>
+                </a:effectLst>
+                <a:latin typeface="Consolas" pitchFamily="49" charset="0"/>
+                <a:cs typeface="Consolas" pitchFamily="49" charset="0"/>
+              </a:rPr>
+              <a:t>True"</a:t>
+            </a:r>
+          </a:p>
+          <a:p>
+            <a:pPr eaLnBrk="0" hangingPunct="0">
+              <a:buClr>
+                <a:schemeClr val="accent5">
+                  <a:lumMod val="40000"/>
+                  <a:lumOff val="60000"/>
+                </a:schemeClr>
+              </a:buClr>
+              <a:buSzPct val="70000"/>
+              <a:defRPr/>
+            </a:pPr>
+            <a:r>
+              <a:rPr lang="en-US" sz="2000" b="1" dirty="0">
+                <a:solidFill>
+                  <a:srgbClr val="8CF4F2"/>
+                </a:solidFill>
+                <a:effectLst>
+                  <a:outerShdw blurRad="38100" dist="38100" dir="2700000" algn="tl">
+                    <a:srgbClr val="000000">
+                      <a:alpha val="43137"/>
+                    </a:srgbClr>
+                  </a:outerShdw>
+                </a:effectLst>
+                <a:latin typeface="Consolas" pitchFamily="49" charset="0"/>
+                <a:cs typeface="Consolas" pitchFamily="49" charset="0"/>
+              </a:rPr>
+              <a:t> </a:t>
+            </a:r>
+            <a:r>
+              <a:rPr lang="en-US" sz="2000" b="1" dirty="0" smtClean="0">
+                <a:solidFill>
+                  <a:srgbClr val="8CF4F2"/>
+                </a:solidFill>
+                <a:effectLst>
+                  <a:outerShdw blurRad="38100" dist="38100" dir="2700000" algn="tl">
+                    <a:srgbClr val="000000">
+                      <a:alpha val="43137"/>
+                    </a:srgbClr>
+                  </a:outerShdw>
+                </a:effectLst>
+                <a:latin typeface="Consolas" pitchFamily="49" charset="0"/>
+                <a:cs typeface="Consolas" pitchFamily="49" charset="0"/>
+              </a:rPr>
+              <a:t> </a:t>
+            </a:r>
+            <a:r>
+              <a:rPr lang="en-US" sz="2000" b="1" dirty="0" err="1" smtClean="0">
+                <a:solidFill>
+                  <a:srgbClr val="8CF4F2"/>
+                </a:solidFill>
+                <a:effectLst>
+                  <a:outerShdw blurRad="38100" dist="38100" dir="2700000" algn="tl">
+                    <a:srgbClr val="000000">
+                      <a:alpha val="43137"/>
+                    </a:srgbClr>
+                  </a:outerShdw>
+                </a:effectLst>
+                <a:latin typeface="Consolas" pitchFamily="49" charset="0"/>
+                <a:cs typeface="Consolas" pitchFamily="49" charset="0"/>
+              </a:rPr>
+              <a:t>ScrollViewer.VerticalScrollBarVisibility</a:t>
+            </a:r>
+            <a:r>
+              <a:rPr lang="en-US" sz="2000" b="1" dirty="0">
+                <a:solidFill>
+                  <a:srgbClr val="8CF4F2"/>
+                </a:solidFill>
+                <a:effectLst>
+                  <a:outerShdw blurRad="38100" dist="38100" dir="2700000" algn="tl">
+                    <a:srgbClr val="000000">
+                      <a:alpha val="43137"/>
+                    </a:srgbClr>
+                  </a:outerShdw>
+                </a:effectLst>
+                <a:latin typeface="Consolas" pitchFamily="49" charset="0"/>
+                <a:cs typeface="Consolas" pitchFamily="49" charset="0"/>
+              </a:rPr>
+              <a:t>="Visible"</a:t>
+            </a:r>
+          </a:p>
+          <a:p>
+            <a:pPr eaLnBrk="0" hangingPunct="0">
+              <a:buClr>
+                <a:schemeClr val="accent5">
+                  <a:lumMod val="40000"/>
+                  <a:lumOff val="60000"/>
+                </a:schemeClr>
+              </a:buClr>
+              <a:buSzPct val="70000"/>
+              <a:defRPr/>
+            </a:pPr>
+            <a:r>
+              <a:rPr lang="en-US" sz="2000" b="1" dirty="0" smtClean="0">
+                <a:solidFill>
+                  <a:srgbClr val="8CF4F2"/>
+                </a:solidFill>
+                <a:effectLst>
+                  <a:outerShdw blurRad="38100" dist="38100" dir="2700000" algn="tl">
+                    <a:srgbClr val="000000">
+                      <a:alpha val="43137"/>
+                    </a:srgbClr>
+                  </a:outerShdw>
+                </a:effectLst>
+                <a:latin typeface="Consolas" pitchFamily="49" charset="0"/>
+                <a:cs typeface="Consolas" pitchFamily="49" charset="0"/>
+              </a:rPr>
+              <a:t>  Text</a:t>
+            </a:r>
+            <a:r>
+              <a:rPr lang="en-US" sz="2000" b="1" dirty="0">
+                <a:solidFill>
+                  <a:srgbClr val="8CF4F2"/>
+                </a:solidFill>
+                <a:effectLst>
+                  <a:outerShdw blurRad="38100" dist="38100" dir="2700000" algn="tl">
+                    <a:srgbClr val="000000">
+                      <a:alpha val="43137"/>
+                    </a:srgbClr>
+                  </a:outerShdw>
+                </a:effectLst>
+                <a:latin typeface="Consolas" pitchFamily="49" charset="0"/>
+                <a:cs typeface="Consolas" pitchFamily="49" charset="0"/>
+              </a:rPr>
+              <a:t>="Multiline textbox" </a:t>
+            </a:r>
+            <a:r>
+              <a:rPr lang="en-US" sz="2000" b="1" dirty="0" smtClean="0">
+                <a:solidFill>
+                  <a:srgbClr val="8CF4F2"/>
+                </a:solidFill>
+                <a:effectLst>
+                  <a:outerShdw blurRad="38100" dist="38100" dir="2700000" algn="tl">
+                    <a:srgbClr val="000000">
+                      <a:alpha val="43137"/>
+                    </a:srgbClr>
+                  </a:outerShdw>
+                </a:effectLst>
+                <a:latin typeface="Consolas" pitchFamily="49" charset="0"/>
+                <a:cs typeface="Consolas" pitchFamily="49" charset="0"/>
+              </a:rPr>
+              <a:t>/&gt;</a:t>
             </a:r>
             <a:endParaRPr lang="en-US" sz="2000" b="1" noProof="1">
               <a:solidFill>
@@ -13234,7 +13904,7 @@
       </p:sp>
       <p:pic>
         <p:nvPicPr>
-          <p:cNvPr id="3" name="Picture 2"/>
+          <p:cNvPr id="2" name="Picture 1"/>
           <p:cNvPicPr>
             <a:picLocks noChangeAspect="1"/>
           </p:cNvPicPr>
@@ -13254,8 +13924,8 @@
         </p:blipFill>
         <p:spPr>
           <a:xfrm>
-            <a:off x="6411384" y="3122697"/>
-            <a:ext cx="2348441" cy="1581937"/>
+            <a:off x="7104029" y="3494252"/>
+            <a:ext cx="1811371" cy="1073405"/>
           </a:xfrm>
           <a:prstGeom prst="rect">
             <a:avLst/>
@@ -13265,7 +13935,7 @@
     </p:spTree>
     <p:extLst>
       <p:ext uri="{BB962C8B-B14F-4D97-AF65-F5344CB8AC3E}">
-        <p14:creationId xmlns:p14="http://schemas.microsoft.com/office/powerpoint/2010/main" val="29894992"/>
+        <p14:creationId xmlns:p14="http://schemas.microsoft.com/office/powerpoint/2010/main" val="626180655"/>
       </p:ext>
     </p:extLst>
   </p:cSld>
